--- a/Anheuser-Busch_Breweries.pptx
+++ b/Anheuser-Busch_Breweries.pptx
@@ -4,13 +4,9 @@
   <p:sldMasterIdLst>
     <p:sldMasterId id="2147483696" r:id="rId1"/>
   </p:sldMasterIdLst>
-  <p:sldIdLst>
-    <p:sldId id="256" r:id="rId2"/>
-    <p:sldId id="257" r:id="rId3"/>
-    <p:sldId id="258" r:id="rId4"/>
-    <p:sldId id="259" r:id="rId5"/>
-    <p:sldId id="260" r:id="rId6"/>
-  </p:sldIdLst>
+  <p:notesMasterIdLst>
+    <p:notesMasterId r:id="rId2"/>
+  </p:notesMasterIdLst>
   <p:sldSz cx="12192000" cy="6858000"/>
   <p:notesSz cx="6858000" cy="9144000"/>
   <p:defaultTextStyle>
@@ -116,6 +112,356 @@
 </p:presentation>
 </file>
 
+<file path=ppt/notesMasters/notesMaster1.xml><?xml version="1.0" encoding="utf-8"?>
+<p:notesMaster xmlns:a="http://schemas.openxmlformats.org/drawingml/2006/main" xmlns:r="http://schemas.openxmlformats.org/officeDocument/2006/relationships" xmlns:p="http://schemas.openxmlformats.org/presentationml/2006/main">
+  <p:cSld>
+    <p:bg>
+      <p:bgRef idx="1001">
+        <a:schemeClr val="bg1"/>
+      </p:bgRef>
+    </p:bg>
+    <p:spTree>
+      <p:nvGrpSpPr>
+        <p:cNvPr id="1" name=""/>
+        <p:cNvGrpSpPr/>
+        <p:nvPr/>
+      </p:nvGrpSpPr>
+      <p:grpSpPr>
+        <a:xfrm>
+          <a:off x="0" y="0"/>
+          <a:ext cx="0" cy="0"/>
+          <a:chOff x="0" y="0"/>
+          <a:chExt cx="0" cy="0"/>
+        </a:xfrm>
+      </p:grpSpPr>
+      <p:sp>
+        <p:nvSpPr>
+          <p:cNvPr id="2" name="Header Placeholder 1"/>
+          <p:cNvSpPr>
+            <a:spLocks noGrp="1"/>
+          </p:cNvSpPr>
+          <p:nvPr>
+            <p:ph type="hdr" sz="quarter"/>
+          </p:nvPr>
+        </p:nvSpPr>
+        <p:spPr>
+          <a:xfrm>
+            <a:off x="0" y="0"/>
+            <a:ext cx="2971800" cy="458788"/>
+          </a:xfrm>
+          <a:prstGeom prst="rect">
+            <a:avLst/>
+          </a:prstGeom>
+        </p:spPr>
+        <p:txBody>
+          <a:bodyPr vert="horz" lIns="91440" tIns="45720" rIns="91440" bIns="45720" rtlCol="0"/>
+          <a:lstStyle>
+            <a:lvl1pPr algn="l">
+              <a:defRPr sz="1200"/>
+            </a:lvl1pPr>
+          </a:lstStyle>
+          <a:p>
+            <a:endParaRPr lang="en-US"/>
+          </a:p>
+        </p:txBody>
+      </p:sp>
+      <p:sp>
+        <p:nvSpPr>
+          <p:cNvPr id="3" name="Date Placeholder 2"/>
+          <p:cNvSpPr>
+            <a:spLocks noGrp="1"/>
+          </p:cNvSpPr>
+          <p:nvPr>
+            <p:ph type="dt" idx="1"/>
+          </p:nvPr>
+        </p:nvSpPr>
+        <p:spPr>
+          <a:xfrm>
+            <a:off x="3884613" y="0"/>
+            <a:ext cx="2971800" cy="458788"/>
+          </a:xfrm>
+          <a:prstGeom prst="rect">
+            <a:avLst/>
+          </a:prstGeom>
+        </p:spPr>
+        <p:txBody>
+          <a:bodyPr vert="horz" lIns="91440" tIns="45720" rIns="91440" bIns="45720" rtlCol="0"/>
+          <a:lstStyle>
+            <a:lvl1pPr algn="r">
+              <a:defRPr sz="1200"/>
+            </a:lvl1pPr>
+          </a:lstStyle>
+          <a:p>
+            <a:fld id="{A0508A23-BA29-400C-9A64-F0BBD1311B2B}" type="datetimeFigureOut">
+              <a:rPr lang="en-US" smtClean="0"/>
+              <a:t>6/23/2019</a:t>
+            </a:fld>
+            <a:endParaRPr lang="en-US"/>
+          </a:p>
+        </p:txBody>
+      </p:sp>
+      <p:sp>
+        <p:nvSpPr>
+          <p:cNvPr id="4" name="Slide Image Placeholder 3"/>
+          <p:cNvSpPr>
+            <a:spLocks noGrp="1" noRot="1" noChangeAspect="1"/>
+          </p:cNvSpPr>
+          <p:nvPr>
+            <p:ph type="sldImg" idx="2"/>
+          </p:nvPr>
+        </p:nvSpPr>
+        <p:spPr>
+          <a:xfrm>
+            <a:off x="685800" y="1143000"/>
+            <a:ext cx="5486400" cy="3086100"/>
+          </a:xfrm>
+          <a:prstGeom prst="rect">
+            <a:avLst/>
+          </a:prstGeom>
+          <a:noFill/>
+          <a:ln w="12700">
+            <a:solidFill>
+              <a:prstClr val="black"/>
+            </a:solidFill>
+          </a:ln>
+        </p:spPr>
+        <p:txBody>
+          <a:bodyPr vert="horz" lIns="91440" tIns="45720" rIns="91440" bIns="45720" rtlCol="0" anchor="ctr"/>
+          <a:lstStyle/>
+          <a:p>
+            <a:endParaRPr lang="en-US"/>
+          </a:p>
+        </p:txBody>
+      </p:sp>
+      <p:sp>
+        <p:nvSpPr>
+          <p:cNvPr id="5" name="Notes Placeholder 4"/>
+          <p:cNvSpPr>
+            <a:spLocks noGrp="1"/>
+          </p:cNvSpPr>
+          <p:nvPr>
+            <p:ph type="body" sz="quarter" idx="3"/>
+          </p:nvPr>
+        </p:nvSpPr>
+        <p:spPr>
+          <a:xfrm>
+            <a:off x="685800" y="4400550"/>
+            <a:ext cx="5486400" cy="3600450"/>
+          </a:xfrm>
+          <a:prstGeom prst="rect">
+            <a:avLst/>
+          </a:prstGeom>
+        </p:spPr>
+        <p:txBody>
+          <a:bodyPr vert="horz" lIns="91440" tIns="45720" rIns="91440" bIns="45720" rtlCol="0"/>
+          <a:lstStyle/>
+          <a:p>
+            <a:pPr lvl="0"/>
+            <a:r>
+              <a:rPr lang="en-US" smtClean="0"/>
+              <a:t>Click to edit Master text styles</a:t>
+            </a:r>
+          </a:p>
+          <a:p>
+            <a:pPr lvl="1"/>
+            <a:r>
+              <a:rPr lang="en-US" smtClean="0"/>
+              <a:t>Second level</a:t>
+            </a:r>
+          </a:p>
+          <a:p>
+            <a:pPr lvl="2"/>
+            <a:r>
+              <a:rPr lang="en-US" smtClean="0"/>
+              <a:t>Third level</a:t>
+            </a:r>
+          </a:p>
+          <a:p>
+            <a:pPr lvl="3"/>
+            <a:r>
+              <a:rPr lang="en-US" smtClean="0"/>
+              <a:t>Fourth level</a:t>
+            </a:r>
+          </a:p>
+          <a:p>
+            <a:pPr lvl="4"/>
+            <a:r>
+              <a:rPr lang="en-US" smtClean="0"/>
+              <a:t>Fifth level</a:t>
+            </a:r>
+            <a:endParaRPr lang="en-US"/>
+          </a:p>
+        </p:txBody>
+      </p:sp>
+      <p:sp>
+        <p:nvSpPr>
+          <p:cNvPr id="6" name="Footer Placeholder 5"/>
+          <p:cNvSpPr>
+            <a:spLocks noGrp="1"/>
+          </p:cNvSpPr>
+          <p:nvPr>
+            <p:ph type="ftr" sz="quarter" idx="4"/>
+          </p:nvPr>
+        </p:nvSpPr>
+        <p:spPr>
+          <a:xfrm>
+            <a:off x="0" y="8685213"/>
+            <a:ext cx="2971800" cy="458787"/>
+          </a:xfrm>
+          <a:prstGeom prst="rect">
+            <a:avLst/>
+          </a:prstGeom>
+        </p:spPr>
+        <p:txBody>
+          <a:bodyPr vert="horz" lIns="91440" tIns="45720" rIns="91440" bIns="45720" rtlCol="0" anchor="b"/>
+          <a:lstStyle>
+            <a:lvl1pPr algn="l">
+              <a:defRPr sz="1200"/>
+            </a:lvl1pPr>
+          </a:lstStyle>
+          <a:p>
+            <a:endParaRPr lang="en-US"/>
+          </a:p>
+        </p:txBody>
+      </p:sp>
+      <p:sp>
+        <p:nvSpPr>
+          <p:cNvPr id="7" name="Slide Number Placeholder 6"/>
+          <p:cNvSpPr>
+            <a:spLocks noGrp="1"/>
+          </p:cNvSpPr>
+          <p:nvPr>
+            <p:ph type="sldNum" sz="quarter" idx="5"/>
+          </p:nvPr>
+        </p:nvSpPr>
+        <p:spPr>
+          <a:xfrm>
+            <a:off x="3884613" y="8685213"/>
+            <a:ext cx="2971800" cy="458787"/>
+          </a:xfrm>
+          <a:prstGeom prst="rect">
+            <a:avLst/>
+          </a:prstGeom>
+        </p:spPr>
+        <p:txBody>
+          <a:bodyPr vert="horz" lIns="91440" tIns="45720" rIns="91440" bIns="45720" rtlCol="0" anchor="b"/>
+          <a:lstStyle>
+            <a:lvl1pPr algn="r">
+              <a:defRPr sz="1200"/>
+            </a:lvl1pPr>
+          </a:lstStyle>
+          <a:p>
+            <a:fld id="{4B6BC061-0F1E-4D4B-98AC-0122290462CF}" type="slidenum">
+              <a:rPr lang="en-US" smtClean="0"/>
+              <a:t>‹#›</a:t>
+            </a:fld>
+            <a:endParaRPr lang="en-US"/>
+          </a:p>
+        </p:txBody>
+      </p:sp>
+    </p:spTree>
+    <p:extLst>
+      <p:ext uri="{BB962C8B-B14F-4D97-AF65-F5344CB8AC3E}">
+        <p14:creationId xmlns:p14="http://schemas.microsoft.com/office/powerpoint/2010/main" val="3940116313"/>
+      </p:ext>
+    </p:extLst>
+  </p:cSld>
+  <p:clrMap bg1="lt1" tx1="dk1" bg2="lt2" tx2="dk2" accent1="accent1" accent2="accent2" accent3="accent3" accent4="accent4" accent5="accent5" accent6="accent6" hlink="hlink" folHlink="folHlink"/>
+  <p:notesStyle>
+    <a:lvl1pPr marL="0" algn="l" defTabSz="914400" rtl="0" eaLnBrk="1" latinLnBrk="0" hangingPunct="1">
+      <a:defRPr sz="1200" kern="1200">
+        <a:solidFill>
+          <a:schemeClr val="tx1"/>
+        </a:solidFill>
+        <a:latin typeface="+mn-lt"/>
+        <a:ea typeface="+mn-ea"/>
+        <a:cs typeface="+mn-cs"/>
+      </a:defRPr>
+    </a:lvl1pPr>
+    <a:lvl2pPr marL="457200" algn="l" defTabSz="914400" rtl="0" eaLnBrk="1" latinLnBrk="0" hangingPunct="1">
+      <a:defRPr sz="1200" kern="1200">
+        <a:solidFill>
+          <a:schemeClr val="tx1"/>
+        </a:solidFill>
+        <a:latin typeface="+mn-lt"/>
+        <a:ea typeface="+mn-ea"/>
+        <a:cs typeface="+mn-cs"/>
+      </a:defRPr>
+    </a:lvl2pPr>
+    <a:lvl3pPr marL="914400" algn="l" defTabSz="914400" rtl="0" eaLnBrk="1" latinLnBrk="0" hangingPunct="1">
+      <a:defRPr sz="1200" kern="1200">
+        <a:solidFill>
+          <a:schemeClr val="tx1"/>
+        </a:solidFill>
+        <a:latin typeface="+mn-lt"/>
+        <a:ea typeface="+mn-ea"/>
+        <a:cs typeface="+mn-cs"/>
+      </a:defRPr>
+    </a:lvl3pPr>
+    <a:lvl4pPr marL="1371600" algn="l" defTabSz="914400" rtl="0" eaLnBrk="1" latinLnBrk="0" hangingPunct="1">
+      <a:defRPr sz="1200" kern="1200">
+        <a:solidFill>
+          <a:schemeClr val="tx1"/>
+        </a:solidFill>
+        <a:latin typeface="+mn-lt"/>
+        <a:ea typeface="+mn-ea"/>
+        <a:cs typeface="+mn-cs"/>
+      </a:defRPr>
+    </a:lvl4pPr>
+    <a:lvl5pPr marL="1828800" algn="l" defTabSz="914400" rtl="0" eaLnBrk="1" latinLnBrk="0" hangingPunct="1">
+      <a:defRPr sz="1200" kern="1200">
+        <a:solidFill>
+          <a:schemeClr val="tx1"/>
+        </a:solidFill>
+        <a:latin typeface="+mn-lt"/>
+        <a:ea typeface="+mn-ea"/>
+        <a:cs typeface="+mn-cs"/>
+      </a:defRPr>
+    </a:lvl5pPr>
+    <a:lvl6pPr marL="2286000" algn="l" defTabSz="914400" rtl="0" eaLnBrk="1" latinLnBrk="0" hangingPunct="1">
+      <a:defRPr sz="1200" kern="1200">
+        <a:solidFill>
+          <a:schemeClr val="tx1"/>
+        </a:solidFill>
+        <a:latin typeface="+mn-lt"/>
+        <a:ea typeface="+mn-ea"/>
+        <a:cs typeface="+mn-cs"/>
+      </a:defRPr>
+    </a:lvl6pPr>
+    <a:lvl7pPr marL="2743200" algn="l" defTabSz="914400" rtl="0" eaLnBrk="1" latinLnBrk="0" hangingPunct="1">
+      <a:defRPr sz="1200" kern="1200">
+        <a:solidFill>
+          <a:schemeClr val="tx1"/>
+        </a:solidFill>
+        <a:latin typeface="+mn-lt"/>
+        <a:ea typeface="+mn-ea"/>
+        <a:cs typeface="+mn-cs"/>
+      </a:defRPr>
+    </a:lvl7pPr>
+    <a:lvl8pPr marL="3200400" algn="l" defTabSz="914400" rtl="0" eaLnBrk="1" latinLnBrk="0" hangingPunct="1">
+      <a:defRPr sz="1200" kern="1200">
+        <a:solidFill>
+          <a:schemeClr val="tx1"/>
+        </a:solidFill>
+        <a:latin typeface="+mn-lt"/>
+        <a:ea typeface="+mn-ea"/>
+        <a:cs typeface="+mn-cs"/>
+      </a:defRPr>
+    </a:lvl8pPr>
+    <a:lvl9pPr marL="3657600" algn="l" defTabSz="914400" rtl="0" eaLnBrk="1" latinLnBrk="0" hangingPunct="1">
+      <a:defRPr sz="1200" kern="1200">
+        <a:solidFill>
+          <a:schemeClr val="tx1"/>
+        </a:solidFill>
+        <a:latin typeface="+mn-lt"/>
+        <a:ea typeface="+mn-ea"/>
+        <a:cs typeface="+mn-cs"/>
+      </a:defRPr>
+    </a:lvl9pPr>
+  </p:notesStyle>
+</p:notesMaster>
+</file>
+
 <file path=ppt/slideLayouts/slideLayout1.xml><?xml version="1.0" encoding="utf-8"?>
 <p:sldLayout xmlns:a="http://schemas.openxmlformats.org/drawingml/2006/main" xmlns:r="http://schemas.openxmlformats.org/officeDocument/2006/relationships" xmlns:p="http://schemas.openxmlformats.org/presentationml/2006/main" type="title" preserve="1">
   <p:cSld name="Title Slide">
@@ -240,14 +586,22 @@
             <p:ph type="dt" sz="half" idx="10"/>
           </p:nvPr>
         </p:nvSpPr>
-        <p:spPr/>
-        <p:txBody>
-          <a:bodyPr/>
-          <a:lstStyle/>
-          <a:p>
-            <a:fld id="{70BB8EA8-B7E1-4466-907D-7A561FDE717A}" type="datetimeFigureOut">
-              <a:rPr lang="en-US" smtClean="0"/>
-              <a:t>6/20/2019</a:t>
+        <p:spPr>
+          <a:xfrm>
+            <a:off x="838200" y="6356350"/>
+            <a:ext cx="2743200" cy="365125"/>
+          </a:xfrm>
+          <a:prstGeom prst="rect">
+            <a:avLst/>
+          </a:prstGeom>
+        </p:spPr>
+        <p:txBody>
+          <a:bodyPr/>
+          <a:lstStyle/>
+          <a:p>
+            <a:fld id="{9B6F7304-E4A9-4187-90F1-6D76B4DF1FCA}" type="datetime1">
+              <a:rPr lang="en-US" smtClean="0"/>
+              <a:t>6/23/2019</a:t>
             </a:fld>
             <a:endParaRPr lang="en-US"/>
           </a:p>
@@ -263,12 +617,24 @@
             <p:ph type="ftr" sz="quarter" idx="11"/>
           </p:nvPr>
         </p:nvSpPr>
-        <p:spPr/>
-        <p:txBody>
-          <a:bodyPr/>
-          <a:lstStyle/>
-          <a:p>
-            <a:endParaRPr lang="en-US"/>
+        <p:spPr>
+          <a:xfrm>
+            <a:off x="3799840" y="6356350"/>
+            <a:ext cx="4632960" cy="365125"/>
+          </a:xfrm>
+          <a:prstGeom prst="rect">
+            <a:avLst/>
+          </a:prstGeom>
+        </p:spPr>
+        <p:txBody>
+          <a:bodyPr/>
+          <a:lstStyle/>
+          <a:p>
+            <a:r>
+              <a:rPr lang="en-US" dirty="0" smtClean="0"/>
+              <a:t>Copyright Holmes &amp; Schwan Production 2019</a:t>
+            </a:r>
+            <a:endParaRPr lang="en-US" dirty="0"/>
           </a:p>
         </p:txBody>
       </p:sp>
@@ -282,7 +648,15 @@
             <p:ph type="sldNum" sz="quarter" idx="12"/>
           </p:nvPr>
         </p:nvSpPr>
-        <p:spPr/>
+        <p:spPr>
+          <a:xfrm>
+            <a:off x="8610600" y="6356350"/>
+            <a:ext cx="2743200" cy="365125"/>
+          </a:xfrm>
+          <a:prstGeom prst="rect">
+            <a:avLst/>
+          </a:prstGeom>
+        </p:spPr>
         <p:txBody>
           <a:bodyPr/>
           <a:lstStyle/>
@@ -291,7 +665,7 @@
               <a:rPr lang="en-US" smtClean="0"/>
               <a:t>‹#›</a:t>
             </a:fld>
-            <a:endParaRPr lang="en-US"/>
+            <a:endParaRPr lang="en-US" dirty="0"/>
           </a:p>
         </p:txBody>
       </p:sp>
@@ -305,6 +679,13 @@
   <p:clrMapOvr>
     <a:masterClrMapping/>
   </p:clrMapOvr>
+  <p:timing>
+    <p:tnLst>
+      <p:par>
+        <p:cTn id="1" dur="indefinite" restart="never" nodeType="tmRoot"/>
+      </p:par>
+    </p:tnLst>
+  </p:timing>
 </p:sldLayout>
 </file>
 
@@ -410,14 +791,22 @@
             <p:ph type="dt" sz="half" idx="10"/>
           </p:nvPr>
         </p:nvSpPr>
-        <p:spPr/>
-        <p:txBody>
-          <a:bodyPr/>
-          <a:lstStyle/>
-          <a:p>
-            <a:fld id="{70BB8EA8-B7E1-4466-907D-7A561FDE717A}" type="datetimeFigureOut">
-              <a:rPr lang="en-US" smtClean="0"/>
-              <a:t>6/20/2019</a:t>
+        <p:spPr>
+          <a:xfrm>
+            <a:off x="838200" y="6356350"/>
+            <a:ext cx="2743200" cy="365125"/>
+          </a:xfrm>
+          <a:prstGeom prst="rect">
+            <a:avLst/>
+          </a:prstGeom>
+        </p:spPr>
+        <p:txBody>
+          <a:bodyPr/>
+          <a:lstStyle/>
+          <a:p>
+            <a:fld id="{1ED4E67B-AF29-4467-82F2-79684EBC56BD}" type="datetime1">
+              <a:rPr lang="en-US" smtClean="0"/>
+              <a:t>6/23/2019</a:t>
             </a:fld>
             <a:endParaRPr lang="en-US"/>
           </a:p>
@@ -433,12 +822,24 @@
             <p:ph type="ftr" sz="quarter" idx="11"/>
           </p:nvPr>
         </p:nvSpPr>
-        <p:spPr/>
-        <p:txBody>
-          <a:bodyPr/>
-          <a:lstStyle/>
-          <a:p>
-            <a:endParaRPr lang="en-US"/>
+        <p:spPr>
+          <a:xfrm>
+            <a:off x="3505200" y="6356350"/>
+            <a:ext cx="4648200" cy="365125"/>
+          </a:xfrm>
+          <a:prstGeom prst="rect">
+            <a:avLst/>
+          </a:prstGeom>
+        </p:spPr>
+        <p:txBody>
+          <a:bodyPr/>
+          <a:lstStyle/>
+          <a:p>
+            <a:r>
+              <a:rPr lang="en-US" dirty="0" smtClean="0"/>
+              <a:t>Copyright Holmes &amp; Schwan Production 2019</a:t>
+            </a:r>
+            <a:endParaRPr lang="en-US" dirty="0"/>
           </a:p>
         </p:txBody>
       </p:sp>
@@ -452,7 +853,15 @@
             <p:ph type="sldNum" sz="quarter" idx="12"/>
           </p:nvPr>
         </p:nvSpPr>
-        <p:spPr/>
+        <p:spPr>
+          <a:xfrm>
+            <a:off x="8610600" y="6356350"/>
+            <a:ext cx="2743200" cy="365125"/>
+          </a:xfrm>
+          <a:prstGeom prst="rect">
+            <a:avLst/>
+          </a:prstGeom>
+        </p:spPr>
         <p:txBody>
           <a:bodyPr/>
           <a:lstStyle/>
@@ -475,6 +884,13 @@
   <p:clrMapOvr>
     <a:masterClrMapping/>
   </p:clrMapOvr>
+  <p:timing>
+    <p:tnLst>
+      <p:par>
+        <p:cTn id="1" dur="indefinite" restart="never" nodeType="tmRoot"/>
+      </p:par>
+    </p:tnLst>
+  </p:timing>
 </p:sldLayout>
 </file>
 
@@ -590,14 +1006,22 @@
             <p:ph type="dt" sz="half" idx="10"/>
           </p:nvPr>
         </p:nvSpPr>
-        <p:spPr/>
-        <p:txBody>
-          <a:bodyPr/>
-          <a:lstStyle/>
-          <a:p>
-            <a:fld id="{70BB8EA8-B7E1-4466-907D-7A561FDE717A}" type="datetimeFigureOut">
-              <a:rPr lang="en-US" smtClean="0"/>
-              <a:t>6/20/2019</a:t>
+        <p:spPr>
+          <a:xfrm>
+            <a:off x="838200" y="6356350"/>
+            <a:ext cx="2743200" cy="365125"/>
+          </a:xfrm>
+          <a:prstGeom prst="rect">
+            <a:avLst/>
+          </a:prstGeom>
+        </p:spPr>
+        <p:txBody>
+          <a:bodyPr/>
+          <a:lstStyle/>
+          <a:p>
+            <a:fld id="{51EB2AA3-A6E8-43D9-8DC2-EEE51F82A6BD}" type="datetime1">
+              <a:rPr lang="en-US" smtClean="0"/>
+              <a:t>6/23/2019</a:t>
             </a:fld>
             <a:endParaRPr lang="en-US"/>
           </a:p>
@@ -613,12 +1037,24 @@
             <p:ph type="ftr" sz="quarter" idx="11"/>
           </p:nvPr>
         </p:nvSpPr>
-        <p:spPr/>
-        <p:txBody>
-          <a:bodyPr/>
-          <a:lstStyle/>
-          <a:p>
-            <a:endParaRPr lang="en-US"/>
+        <p:spPr>
+          <a:xfrm>
+            <a:off x="3403600" y="6356350"/>
+            <a:ext cx="4749800" cy="365125"/>
+          </a:xfrm>
+          <a:prstGeom prst="rect">
+            <a:avLst/>
+          </a:prstGeom>
+        </p:spPr>
+        <p:txBody>
+          <a:bodyPr/>
+          <a:lstStyle/>
+          <a:p>
+            <a:r>
+              <a:rPr lang="en-US" dirty="0" smtClean="0"/>
+              <a:t>Copyright Holmes &amp; Schwan Production 2019</a:t>
+            </a:r>
+            <a:endParaRPr lang="en-US" dirty="0"/>
           </a:p>
         </p:txBody>
       </p:sp>
@@ -632,7 +1068,15 @@
             <p:ph type="sldNum" sz="quarter" idx="12"/>
           </p:nvPr>
         </p:nvSpPr>
-        <p:spPr/>
+        <p:spPr>
+          <a:xfrm>
+            <a:off x="8610600" y="6356350"/>
+            <a:ext cx="2743200" cy="365125"/>
+          </a:xfrm>
+          <a:prstGeom prst="rect">
+            <a:avLst/>
+          </a:prstGeom>
+        </p:spPr>
         <p:txBody>
           <a:bodyPr/>
           <a:lstStyle/>
@@ -655,6 +1099,13 @@
   <p:clrMapOvr>
     <a:masterClrMapping/>
   </p:clrMapOvr>
+  <p:timing>
+    <p:tnLst>
+      <p:par>
+        <p:cTn id="1" dur="indefinite" restart="never" nodeType="tmRoot"/>
+      </p:par>
+    </p:tnLst>
+  </p:timing>
 </p:sldLayout>
 </file>
 
@@ -715,38 +1166,38 @@
           <a:p>
             <a:pPr lvl="0"/>
             <a:r>
-              <a:rPr lang="en-US" smtClean="0"/>
+              <a:rPr lang="en-US" dirty="0" smtClean="0"/>
               <a:t>Click to edit Master text styles</a:t>
             </a:r>
           </a:p>
           <a:p>
             <a:pPr lvl="1"/>
             <a:r>
-              <a:rPr lang="en-US" smtClean="0"/>
+              <a:rPr lang="en-US" dirty="0" smtClean="0"/>
               <a:t>Second level</a:t>
             </a:r>
           </a:p>
           <a:p>
             <a:pPr lvl="2"/>
             <a:r>
-              <a:rPr lang="en-US" smtClean="0"/>
+              <a:rPr lang="en-US" dirty="0" smtClean="0"/>
               <a:t>Third level</a:t>
             </a:r>
           </a:p>
           <a:p>
             <a:pPr lvl="3"/>
             <a:r>
-              <a:rPr lang="en-US" smtClean="0"/>
+              <a:rPr lang="en-US" dirty="0" smtClean="0"/>
               <a:t>Fourth level</a:t>
             </a:r>
           </a:p>
           <a:p>
             <a:pPr lvl="4"/>
             <a:r>
-              <a:rPr lang="en-US" smtClean="0"/>
+              <a:rPr lang="en-US" dirty="0" smtClean="0"/>
               <a:t>Fifth level</a:t>
             </a:r>
-            <a:endParaRPr lang="en-US"/>
+            <a:endParaRPr lang="en-US" dirty="0"/>
           </a:p>
         </p:txBody>
       </p:sp>
@@ -760,14 +1211,22 @@
             <p:ph type="dt" sz="half" idx="10"/>
           </p:nvPr>
         </p:nvSpPr>
-        <p:spPr/>
-        <p:txBody>
-          <a:bodyPr/>
-          <a:lstStyle/>
-          <a:p>
-            <a:fld id="{70BB8EA8-B7E1-4466-907D-7A561FDE717A}" type="datetimeFigureOut">
-              <a:rPr lang="en-US" smtClean="0"/>
-              <a:t>6/20/2019</a:t>
+        <p:spPr>
+          <a:xfrm>
+            <a:off x="838200" y="6356350"/>
+            <a:ext cx="2743200" cy="365125"/>
+          </a:xfrm>
+          <a:prstGeom prst="rect">
+            <a:avLst/>
+          </a:prstGeom>
+        </p:spPr>
+        <p:txBody>
+          <a:bodyPr/>
+          <a:lstStyle/>
+          <a:p>
+            <a:fld id="{CBACCF1C-A623-401A-9860-885378D359B8}" type="datetime1">
+              <a:rPr lang="en-US" smtClean="0"/>
+              <a:t>6/23/2019</a:t>
             </a:fld>
             <a:endParaRPr lang="en-US"/>
           </a:p>
@@ -783,12 +1242,24 @@
             <p:ph type="ftr" sz="quarter" idx="11"/>
           </p:nvPr>
         </p:nvSpPr>
-        <p:spPr/>
-        <p:txBody>
-          <a:bodyPr/>
-          <a:lstStyle/>
-          <a:p>
-            <a:endParaRPr lang="en-US"/>
+        <p:spPr>
+          <a:xfrm>
+            <a:off x="3261360" y="6356350"/>
+            <a:ext cx="4892040" cy="365125"/>
+          </a:xfrm>
+          <a:prstGeom prst="rect">
+            <a:avLst/>
+          </a:prstGeom>
+        </p:spPr>
+        <p:txBody>
+          <a:bodyPr/>
+          <a:lstStyle/>
+          <a:p>
+            <a:r>
+              <a:rPr lang="en-US" dirty="0" smtClean="0"/>
+              <a:t>Copyright Holmes &amp; Schwan Production 2019</a:t>
+            </a:r>
+            <a:endParaRPr lang="en-US" dirty="0"/>
           </a:p>
         </p:txBody>
       </p:sp>
@@ -802,7 +1273,15 @@
             <p:ph type="sldNum" sz="quarter" idx="12"/>
           </p:nvPr>
         </p:nvSpPr>
-        <p:spPr/>
+        <p:spPr>
+          <a:xfrm>
+            <a:off x="8610600" y="6356350"/>
+            <a:ext cx="2743200" cy="365125"/>
+          </a:xfrm>
+          <a:prstGeom prst="rect">
+            <a:avLst/>
+          </a:prstGeom>
+        </p:spPr>
         <p:txBody>
           <a:bodyPr/>
           <a:lstStyle/>
@@ -825,6 +1304,13 @@
   <p:clrMapOvr>
     <a:masterClrMapping/>
   </p:clrMapOvr>
+  <p:timing>
+    <p:tnLst>
+      <p:par>
+        <p:cTn id="1" dur="indefinite" restart="never" nodeType="tmRoot"/>
+      </p:par>
+    </p:tnLst>
+  </p:timing>
 </p:sldLayout>
 </file>
 
@@ -990,7 +1476,7 @@
           <a:p>
             <a:pPr lvl="0"/>
             <a:r>
-              <a:rPr lang="en-US" smtClean="0"/>
+              <a:rPr lang="en-US" dirty="0" smtClean="0"/>
               <a:t>Click to edit Master text styles</a:t>
             </a:r>
           </a:p>
@@ -1006,14 +1492,22 @@
             <p:ph type="dt" sz="half" idx="10"/>
           </p:nvPr>
         </p:nvSpPr>
-        <p:spPr/>
-        <p:txBody>
-          <a:bodyPr/>
-          <a:lstStyle/>
-          <a:p>
-            <a:fld id="{70BB8EA8-B7E1-4466-907D-7A561FDE717A}" type="datetimeFigureOut">
-              <a:rPr lang="en-US" smtClean="0"/>
-              <a:t>6/20/2019</a:t>
+        <p:spPr>
+          <a:xfrm>
+            <a:off x="838200" y="6356350"/>
+            <a:ext cx="2743200" cy="365125"/>
+          </a:xfrm>
+          <a:prstGeom prst="rect">
+            <a:avLst/>
+          </a:prstGeom>
+        </p:spPr>
+        <p:txBody>
+          <a:bodyPr/>
+          <a:lstStyle/>
+          <a:p>
+            <a:fld id="{17302A25-D1F1-4AF6-B722-862A4B9F0E31}" type="datetime1">
+              <a:rPr lang="en-US" smtClean="0"/>
+              <a:t>6/23/2019</a:t>
             </a:fld>
             <a:endParaRPr lang="en-US"/>
           </a:p>
@@ -1029,12 +1523,24 @@
             <p:ph type="ftr" sz="quarter" idx="11"/>
           </p:nvPr>
         </p:nvSpPr>
-        <p:spPr/>
-        <p:txBody>
-          <a:bodyPr/>
-          <a:lstStyle/>
-          <a:p>
-            <a:endParaRPr lang="en-US"/>
+        <p:spPr>
+          <a:xfrm>
+            <a:off x="3769360" y="6356350"/>
+            <a:ext cx="4582160" cy="365125"/>
+          </a:xfrm>
+          <a:prstGeom prst="rect">
+            <a:avLst/>
+          </a:prstGeom>
+        </p:spPr>
+        <p:txBody>
+          <a:bodyPr/>
+          <a:lstStyle/>
+          <a:p>
+            <a:r>
+              <a:rPr lang="en-US" dirty="0" smtClean="0"/>
+              <a:t>Copyright Holmes &amp; Schwan Production 2019</a:t>
+            </a:r>
+            <a:endParaRPr lang="en-US" dirty="0"/>
           </a:p>
         </p:txBody>
       </p:sp>
@@ -1048,7 +1554,15 @@
             <p:ph type="sldNum" sz="quarter" idx="12"/>
           </p:nvPr>
         </p:nvSpPr>
-        <p:spPr/>
+        <p:spPr>
+          <a:xfrm>
+            <a:off x="8610600" y="6356350"/>
+            <a:ext cx="2743200" cy="365125"/>
+          </a:xfrm>
+          <a:prstGeom prst="rect">
+            <a:avLst/>
+          </a:prstGeom>
+        </p:spPr>
         <p:txBody>
           <a:bodyPr/>
           <a:lstStyle/>
@@ -1071,6 +1585,13 @@
   <p:clrMapOvr>
     <a:masterClrMapping/>
   </p:clrMapOvr>
+  <p:timing>
+    <p:tnLst>
+      <p:par>
+        <p:cTn id="1" dur="indefinite" restart="never" nodeType="tmRoot"/>
+      </p:par>
+    </p:tnLst>
+  </p:timing>
 </p:sldLayout>
 </file>
 
@@ -1238,14 +1759,22 @@
             <p:ph type="dt" sz="half" idx="10"/>
           </p:nvPr>
         </p:nvSpPr>
-        <p:spPr/>
-        <p:txBody>
-          <a:bodyPr/>
-          <a:lstStyle/>
-          <a:p>
-            <a:fld id="{70BB8EA8-B7E1-4466-907D-7A561FDE717A}" type="datetimeFigureOut">
-              <a:rPr lang="en-US" smtClean="0"/>
-              <a:t>6/20/2019</a:t>
+        <p:spPr>
+          <a:xfrm>
+            <a:off x="838200" y="6356350"/>
+            <a:ext cx="2743200" cy="365125"/>
+          </a:xfrm>
+          <a:prstGeom prst="rect">
+            <a:avLst/>
+          </a:prstGeom>
+        </p:spPr>
+        <p:txBody>
+          <a:bodyPr/>
+          <a:lstStyle/>
+          <a:p>
+            <a:fld id="{F6E8CA4B-6880-44FE-88B3-152890D90C04}" type="datetime1">
+              <a:rPr lang="en-US" smtClean="0"/>
+              <a:t>6/23/2019</a:t>
             </a:fld>
             <a:endParaRPr lang="en-US"/>
           </a:p>
@@ -1261,12 +1790,24 @@
             <p:ph type="ftr" sz="quarter" idx="11"/>
           </p:nvPr>
         </p:nvSpPr>
-        <p:spPr/>
-        <p:txBody>
-          <a:bodyPr/>
-          <a:lstStyle/>
-          <a:p>
-            <a:endParaRPr lang="en-US"/>
+        <p:spPr>
+          <a:xfrm>
+            <a:off x="3581400" y="6356350"/>
+            <a:ext cx="4572000" cy="365125"/>
+          </a:xfrm>
+          <a:prstGeom prst="rect">
+            <a:avLst/>
+          </a:prstGeom>
+        </p:spPr>
+        <p:txBody>
+          <a:bodyPr/>
+          <a:lstStyle/>
+          <a:p>
+            <a:r>
+              <a:rPr lang="en-US" dirty="0" smtClean="0"/>
+              <a:t>Copyright Holmes &amp; Schwan Production 2019</a:t>
+            </a:r>
+            <a:endParaRPr lang="en-US" dirty="0"/>
           </a:p>
         </p:txBody>
       </p:sp>
@@ -1280,7 +1821,15 @@
             <p:ph type="sldNum" sz="quarter" idx="12"/>
           </p:nvPr>
         </p:nvSpPr>
-        <p:spPr/>
+        <p:spPr>
+          <a:xfrm>
+            <a:off x="8610600" y="6356350"/>
+            <a:ext cx="2743200" cy="365125"/>
+          </a:xfrm>
+          <a:prstGeom prst="rect">
+            <a:avLst/>
+          </a:prstGeom>
+        </p:spPr>
         <p:txBody>
           <a:bodyPr/>
           <a:lstStyle/>
@@ -1303,6 +1852,13 @@
   <p:clrMapOvr>
     <a:masterClrMapping/>
   </p:clrMapOvr>
+  <p:timing>
+    <p:tnLst>
+      <p:par>
+        <p:cTn id="1" dur="indefinite" restart="never" nodeType="tmRoot"/>
+      </p:par>
+    </p:tnLst>
+  </p:timing>
 </p:sldLayout>
 </file>
 
@@ -1605,14 +2161,22 @@
             <p:ph type="dt" sz="half" idx="10"/>
           </p:nvPr>
         </p:nvSpPr>
-        <p:spPr/>
-        <p:txBody>
-          <a:bodyPr/>
-          <a:lstStyle/>
-          <a:p>
-            <a:fld id="{70BB8EA8-B7E1-4466-907D-7A561FDE717A}" type="datetimeFigureOut">
-              <a:rPr lang="en-US" smtClean="0"/>
-              <a:t>6/20/2019</a:t>
+        <p:spPr>
+          <a:xfrm>
+            <a:off x="838200" y="6356350"/>
+            <a:ext cx="2743200" cy="365125"/>
+          </a:xfrm>
+          <a:prstGeom prst="rect">
+            <a:avLst/>
+          </a:prstGeom>
+        </p:spPr>
+        <p:txBody>
+          <a:bodyPr/>
+          <a:lstStyle/>
+          <a:p>
+            <a:fld id="{804E1F63-2D52-4433-BEFE-B774F9498614}" type="datetime1">
+              <a:rPr lang="en-US" smtClean="0"/>
+              <a:t>6/23/2019</a:t>
             </a:fld>
             <a:endParaRPr lang="en-US"/>
           </a:p>
@@ -1628,12 +2192,24 @@
             <p:ph type="ftr" sz="quarter" idx="11"/>
           </p:nvPr>
         </p:nvSpPr>
-        <p:spPr/>
-        <p:txBody>
-          <a:bodyPr/>
-          <a:lstStyle/>
-          <a:p>
-            <a:endParaRPr lang="en-US"/>
+        <p:spPr>
+          <a:xfrm>
+            <a:off x="3581400" y="6356350"/>
+            <a:ext cx="4572000" cy="365125"/>
+          </a:xfrm>
+          <a:prstGeom prst="rect">
+            <a:avLst/>
+          </a:prstGeom>
+        </p:spPr>
+        <p:txBody>
+          <a:bodyPr/>
+          <a:lstStyle/>
+          <a:p>
+            <a:r>
+              <a:rPr lang="en-US" dirty="0" smtClean="0"/>
+              <a:t>Copyright Holmes &amp; Schwan Production 2019</a:t>
+            </a:r>
+            <a:endParaRPr lang="en-US" dirty="0"/>
           </a:p>
         </p:txBody>
       </p:sp>
@@ -1647,7 +2223,15 @@
             <p:ph type="sldNum" sz="quarter" idx="12"/>
           </p:nvPr>
         </p:nvSpPr>
-        <p:spPr/>
+        <p:spPr>
+          <a:xfrm>
+            <a:off x="8610600" y="6356350"/>
+            <a:ext cx="2743200" cy="365125"/>
+          </a:xfrm>
+          <a:prstGeom prst="rect">
+            <a:avLst/>
+          </a:prstGeom>
+        </p:spPr>
         <p:txBody>
           <a:bodyPr/>
           <a:lstStyle/>
@@ -1670,6 +2254,13 @@
   <p:clrMapOvr>
     <a:masterClrMapping/>
   </p:clrMapOvr>
+  <p:timing>
+    <p:tnLst>
+      <p:par>
+        <p:cTn id="1" dur="indefinite" restart="never" nodeType="tmRoot"/>
+      </p:par>
+    </p:tnLst>
+  </p:timing>
 </p:sldLayout>
 </file>
 
@@ -1723,14 +2314,22 @@
             <p:ph type="dt" sz="half" idx="10"/>
           </p:nvPr>
         </p:nvSpPr>
-        <p:spPr/>
-        <p:txBody>
-          <a:bodyPr/>
-          <a:lstStyle/>
-          <a:p>
-            <a:fld id="{70BB8EA8-B7E1-4466-907D-7A561FDE717A}" type="datetimeFigureOut">
-              <a:rPr lang="en-US" smtClean="0"/>
-              <a:t>6/20/2019</a:t>
+        <p:spPr>
+          <a:xfrm>
+            <a:off x="838200" y="6356350"/>
+            <a:ext cx="2743200" cy="365125"/>
+          </a:xfrm>
+          <a:prstGeom prst="rect">
+            <a:avLst/>
+          </a:prstGeom>
+        </p:spPr>
+        <p:txBody>
+          <a:bodyPr/>
+          <a:lstStyle/>
+          <a:p>
+            <a:fld id="{0FB132E7-7308-4C3C-912F-93B36333FEBA}" type="datetime1">
+              <a:rPr lang="en-US" smtClean="0"/>
+              <a:t>6/23/2019</a:t>
             </a:fld>
             <a:endParaRPr lang="en-US"/>
           </a:p>
@@ -1746,12 +2345,24 @@
             <p:ph type="ftr" sz="quarter" idx="11"/>
           </p:nvPr>
         </p:nvSpPr>
-        <p:spPr/>
-        <p:txBody>
-          <a:bodyPr/>
-          <a:lstStyle/>
-          <a:p>
-            <a:endParaRPr lang="en-US"/>
+        <p:spPr>
+          <a:xfrm>
+            <a:off x="3464560" y="6356350"/>
+            <a:ext cx="4688840" cy="365125"/>
+          </a:xfrm>
+          <a:prstGeom prst="rect">
+            <a:avLst/>
+          </a:prstGeom>
+        </p:spPr>
+        <p:txBody>
+          <a:bodyPr/>
+          <a:lstStyle/>
+          <a:p>
+            <a:r>
+              <a:rPr lang="en-US" dirty="0" smtClean="0"/>
+              <a:t>Copyright Holmes &amp; Schwan Production 2019</a:t>
+            </a:r>
+            <a:endParaRPr lang="en-US" dirty="0"/>
           </a:p>
         </p:txBody>
       </p:sp>
@@ -1765,7 +2376,15 @@
             <p:ph type="sldNum" sz="quarter" idx="12"/>
           </p:nvPr>
         </p:nvSpPr>
-        <p:spPr/>
+        <p:spPr>
+          <a:xfrm>
+            <a:off x="8610600" y="6356350"/>
+            <a:ext cx="2743200" cy="365125"/>
+          </a:xfrm>
+          <a:prstGeom prst="rect">
+            <a:avLst/>
+          </a:prstGeom>
+        </p:spPr>
         <p:txBody>
           <a:bodyPr/>
           <a:lstStyle/>
@@ -1788,6 +2407,13 @@
   <p:clrMapOvr>
     <a:masterClrMapping/>
   </p:clrMapOvr>
+  <p:timing>
+    <p:tnLst>
+      <p:par>
+        <p:cTn id="1" dur="indefinite" restart="never" nodeType="tmRoot"/>
+      </p:par>
+    </p:tnLst>
+  </p:timing>
 </p:sldLayout>
 </file>
 
@@ -1818,14 +2444,22 @@
             <p:ph type="dt" sz="half" idx="10"/>
           </p:nvPr>
         </p:nvSpPr>
-        <p:spPr/>
-        <p:txBody>
-          <a:bodyPr/>
-          <a:lstStyle/>
-          <a:p>
-            <a:fld id="{70BB8EA8-B7E1-4466-907D-7A561FDE717A}" type="datetimeFigureOut">
-              <a:rPr lang="en-US" smtClean="0"/>
-              <a:t>6/20/2019</a:t>
+        <p:spPr>
+          <a:xfrm>
+            <a:off x="838200" y="6356350"/>
+            <a:ext cx="2743200" cy="365125"/>
+          </a:xfrm>
+          <a:prstGeom prst="rect">
+            <a:avLst/>
+          </a:prstGeom>
+        </p:spPr>
+        <p:txBody>
+          <a:bodyPr/>
+          <a:lstStyle/>
+          <a:p>
+            <a:fld id="{CB953AE2-24A1-4144-B25A-BAC15DAD067D}" type="datetime1">
+              <a:rPr lang="en-US" smtClean="0"/>
+              <a:t>6/23/2019</a:t>
             </a:fld>
             <a:endParaRPr lang="en-US"/>
           </a:p>
@@ -1841,12 +2475,24 @@
             <p:ph type="ftr" sz="quarter" idx="11"/>
           </p:nvPr>
         </p:nvSpPr>
-        <p:spPr/>
-        <p:txBody>
-          <a:bodyPr/>
-          <a:lstStyle/>
-          <a:p>
-            <a:endParaRPr lang="en-US"/>
+        <p:spPr>
+          <a:xfrm>
+            <a:off x="3581400" y="6356350"/>
+            <a:ext cx="4572000" cy="365125"/>
+          </a:xfrm>
+          <a:prstGeom prst="rect">
+            <a:avLst/>
+          </a:prstGeom>
+        </p:spPr>
+        <p:txBody>
+          <a:bodyPr/>
+          <a:lstStyle/>
+          <a:p>
+            <a:r>
+              <a:rPr lang="en-US" dirty="0" smtClean="0"/>
+              <a:t>Copyright Holmes &amp; Schwan Production 2019</a:t>
+            </a:r>
+            <a:endParaRPr lang="en-US" dirty="0"/>
           </a:p>
         </p:txBody>
       </p:sp>
@@ -1860,7 +2506,15 @@
             <p:ph type="sldNum" sz="quarter" idx="12"/>
           </p:nvPr>
         </p:nvSpPr>
-        <p:spPr/>
+        <p:spPr>
+          <a:xfrm>
+            <a:off x="8610600" y="6356350"/>
+            <a:ext cx="2743200" cy="365125"/>
+          </a:xfrm>
+          <a:prstGeom prst="rect">
+            <a:avLst/>
+          </a:prstGeom>
+        </p:spPr>
         <p:txBody>
           <a:bodyPr/>
           <a:lstStyle/>
@@ -1883,6 +2537,13 @@
   <p:clrMapOvr>
     <a:masterClrMapping/>
   </p:clrMapOvr>
+  <p:timing>
+    <p:tnLst>
+      <p:par>
+        <p:cTn id="1" dur="indefinite" restart="never" nodeType="tmRoot"/>
+      </p:par>
+    </p:tnLst>
+  </p:timing>
 </p:sldLayout>
 </file>
 
@@ -2095,14 +2756,22 @@
             <p:ph type="dt" sz="half" idx="10"/>
           </p:nvPr>
         </p:nvSpPr>
-        <p:spPr/>
-        <p:txBody>
-          <a:bodyPr/>
-          <a:lstStyle/>
-          <a:p>
-            <a:fld id="{70BB8EA8-B7E1-4466-907D-7A561FDE717A}" type="datetimeFigureOut">
-              <a:rPr lang="en-US" smtClean="0"/>
-              <a:t>6/20/2019</a:t>
+        <p:spPr>
+          <a:xfrm>
+            <a:off x="838200" y="6356350"/>
+            <a:ext cx="2743200" cy="365125"/>
+          </a:xfrm>
+          <a:prstGeom prst="rect">
+            <a:avLst/>
+          </a:prstGeom>
+        </p:spPr>
+        <p:txBody>
+          <a:bodyPr/>
+          <a:lstStyle/>
+          <a:p>
+            <a:fld id="{828A6AB6-1B72-4217-8D16-342145D5DC65}" type="datetime1">
+              <a:rPr lang="en-US" smtClean="0"/>
+              <a:t>6/23/2019</a:t>
             </a:fld>
             <a:endParaRPr lang="en-US"/>
           </a:p>
@@ -2118,12 +2787,24 @@
             <p:ph type="ftr" sz="quarter" idx="11"/>
           </p:nvPr>
         </p:nvSpPr>
-        <p:spPr/>
-        <p:txBody>
-          <a:bodyPr/>
-          <a:lstStyle/>
-          <a:p>
-            <a:endParaRPr lang="en-US"/>
+        <p:spPr>
+          <a:xfrm>
+            <a:off x="3322320" y="6356350"/>
+            <a:ext cx="4487228" cy="365125"/>
+          </a:xfrm>
+          <a:prstGeom prst="rect">
+            <a:avLst/>
+          </a:prstGeom>
+        </p:spPr>
+        <p:txBody>
+          <a:bodyPr/>
+          <a:lstStyle/>
+          <a:p>
+            <a:r>
+              <a:rPr lang="en-US" dirty="0" smtClean="0"/>
+              <a:t>Copyright Holmes &amp; Schwan Production 2019</a:t>
+            </a:r>
+            <a:endParaRPr lang="en-US" dirty="0"/>
           </a:p>
         </p:txBody>
       </p:sp>
@@ -2137,7 +2818,15 @@
             <p:ph type="sldNum" sz="quarter" idx="12"/>
           </p:nvPr>
         </p:nvSpPr>
-        <p:spPr/>
+        <p:spPr>
+          <a:xfrm>
+            <a:off x="8610600" y="6356350"/>
+            <a:ext cx="2743200" cy="365125"/>
+          </a:xfrm>
+          <a:prstGeom prst="rect">
+            <a:avLst/>
+          </a:prstGeom>
+        </p:spPr>
         <p:txBody>
           <a:bodyPr/>
           <a:lstStyle/>
@@ -2160,6 +2849,13 @@
   <p:clrMapOvr>
     <a:masterClrMapping/>
   </p:clrMapOvr>
+  <p:timing>
+    <p:tnLst>
+      <p:par>
+        <p:cTn id="1" dur="indefinite" restart="never" nodeType="tmRoot"/>
+      </p:par>
+    </p:tnLst>
+  </p:timing>
 </p:sldLayout>
 </file>
 
@@ -2348,14 +3044,22 @@
             <p:ph type="dt" sz="half" idx="10"/>
           </p:nvPr>
         </p:nvSpPr>
-        <p:spPr/>
-        <p:txBody>
-          <a:bodyPr/>
-          <a:lstStyle/>
-          <a:p>
-            <a:fld id="{70BB8EA8-B7E1-4466-907D-7A561FDE717A}" type="datetimeFigureOut">
-              <a:rPr lang="en-US" smtClean="0"/>
-              <a:t>6/20/2019</a:t>
+        <p:spPr>
+          <a:xfrm>
+            <a:off x="838200" y="6356350"/>
+            <a:ext cx="2743200" cy="365125"/>
+          </a:xfrm>
+          <a:prstGeom prst="rect">
+            <a:avLst/>
+          </a:prstGeom>
+        </p:spPr>
+        <p:txBody>
+          <a:bodyPr/>
+          <a:lstStyle/>
+          <a:p>
+            <a:fld id="{EB8470A5-6A8F-494C-AB6E-EEBF6BE17C0D}" type="datetime1">
+              <a:rPr lang="en-US" smtClean="0"/>
+              <a:t>6/23/2019</a:t>
             </a:fld>
             <a:endParaRPr lang="en-US"/>
           </a:p>
@@ -2371,12 +3075,24 @@
             <p:ph type="ftr" sz="quarter" idx="11"/>
           </p:nvPr>
         </p:nvSpPr>
-        <p:spPr/>
-        <p:txBody>
-          <a:bodyPr/>
-          <a:lstStyle/>
-          <a:p>
-            <a:endParaRPr lang="en-US"/>
+        <p:spPr>
+          <a:xfrm>
+            <a:off x="3581400" y="6356350"/>
+            <a:ext cx="4572000" cy="365125"/>
+          </a:xfrm>
+          <a:prstGeom prst="rect">
+            <a:avLst/>
+          </a:prstGeom>
+        </p:spPr>
+        <p:txBody>
+          <a:bodyPr/>
+          <a:lstStyle/>
+          <a:p>
+            <a:r>
+              <a:rPr lang="en-US" dirty="0" smtClean="0"/>
+              <a:t>Copyright Holmes &amp; Schwan Production 2019</a:t>
+            </a:r>
+            <a:endParaRPr lang="en-US" dirty="0"/>
           </a:p>
         </p:txBody>
       </p:sp>
@@ -2390,7 +3106,15 @@
             <p:ph type="sldNum" sz="quarter" idx="12"/>
           </p:nvPr>
         </p:nvSpPr>
-        <p:spPr/>
+        <p:spPr>
+          <a:xfrm>
+            <a:off x="8610600" y="6356350"/>
+            <a:ext cx="2743200" cy="365125"/>
+          </a:xfrm>
+          <a:prstGeom prst="rect">
+            <a:avLst/>
+          </a:prstGeom>
+        </p:spPr>
         <p:txBody>
           <a:bodyPr/>
           <a:lstStyle/>
@@ -2413,6 +3137,13 @@
   <p:clrMapOvr>
     <a:masterClrMapping/>
   </p:clrMapOvr>
+  <p:timing>
+    <p:tnLst>
+      <p:par>
+        <p:cTn id="1" dur="indefinite" restart="never" nodeType="tmRoot"/>
+      </p:par>
+    </p:tnLst>
+  </p:timing>
 </p:sldLayout>
 </file>
 
@@ -2420,9 +3151,19 @@
 <p:sldMaster xmlns:a="http://schemas.openxmlformats.org/drawingml/2006/main" xmlns:r="http://schemas.openxmlformats.org/officeDocument/2006/relationships" xmlns:p="http://schemas.openxmlformats.org/presentationml/2006/main">
   <p:cSld>
     <p:bg>
-      <p:bgRef idx="1001">
-        <a:schemeClr val="bg1"/>
-      </p:bgRef>
+      <p:bgPr>
+        <a:blipFill dpi="0" rotWithShape="1">
+          <a:blip r:embed="rId13">
+            <a:alphaModFix amt="18000"/>
+            <a:lum/>
+          </a:blip>
+          <a:srcRect/>
+          <a:stretch>
+            <a:fillRect t="-9000" b="-9000"/>
+          </a:stretch>
+        </a:blipFill>
+        <a:effectLst/>
+      </p:bgPr>
     </p:bg>
     <p:spTree>
       <p:nvGrpSpPr>
@@ -2498,41 +3239,71 @@
           <a:p>
             <a:pPr lvl="0"/>
             <a:r>
-              <a:rPr lang="en-US" smtClean="0"/>
+              <a:rPr lang="en-US" dirty="0" smtClean="0"/>
               <a:t>Click to edit Master text styles</a:t>
             </a:r>
           </a:p>
           <a:p>
             <a:pPr lvl="1"/>
             <a:r>
-              <a:rPr lang="en-US" smtClean="0"/>
+              <a:rPr lang="en-US" dirty="0" smtClean="0"/>
               <a:t>Second level</a:t>
             </a:r>
           </a:p>
           <a:p>
             <a:pPr lvl="2"/>
             <a:r>
-              <a:rPr lang="en-US" smtClean="0"/>
+              <a:rPr lang="en-US" dirty="0" smtClean="0"/>
               <a:t>Third level</a:t>
             </a:r>
           </a:p>
           <a:p>
             <a:pPr lvl="3"/>
             <a:r>
-              <a:rPr lang="en-US" smtClean="0"/>
+              <a:rPr lang="en-US" dirty="0" smtClean="0"/>
               <a:t>Fourth level</a:t>
             </a:r>
           </a:p>
           <a:p>
             <a:pPr lvl="4"/>
             <a:r>
-              <a:rPr lang="en-US" smtClean="0"/>
+              <a:rPr lang="en-US" dirty="0" smtClean="0"/>
               <a:t>Fifth level</a:t>
             </a:r>
-            <a:endParaRPr lang="en-US"/>
-          </a:p>
-        </p:txBody>
-      </p:sp>
+            <a:endParaRPr lang="en-US" dirty="0"/>
+          </a:p>
+        </p:txBody>
+      </p:sp>
+      <p:pic>
+        <p:nvPicPr>
+          <p:cNvPr id="7" name="Picture 6"/>
+          <p:cNvPicPr>
+            <a:picLocks noChangeAspect="1"/>
+          </p:cNvPicPr>
+          <p:nvPr userDrawn="1"/>
+        </p:nvPicPr>
+        <p:blipFill>
+          <a:blip r:embed="rId14">
+            <a:extLst>
+              <a:ext uri="{28A0092B-C50C-407E-A947-70E740481C1C}">
+                <a14:useLocalDpi xmlns:a14="http://schemas.microsoft.com/office/drawing/2010/main" val="0"/>
+              </a:ext>
+            </a:extLst>
+          </a:blip>
+          <a:stretch>
+            <a:fillRect/>
+          </a:stretch>
+        </p:blipFill>
+        <p:spPr>
+          <a:xfrm>
+            <a:off x="9689465" y="185738"/>
+            <a:ext cx="2343150" cy="695325"/>
+          </a:xfrm>
+          <a:prstGeom prst="rect">
+            <a:avLst/>
+          </a:prstGeom>
+        </p:spPr>
+      </p:pic>
       <p:sp>
         <p:nvSpPr>
           <p:cNvPr id="4" name="Date Placeholder 3"/>
@@ -2566,9 +3337,9 @@
             </a:lvl1pPr>
           </a:lstStyle>
           <a:p>
-            <a:fld id="{70BB8EA8-B7E1-4466-907D-7A561FDE717A}" type="datetimeFigureOut">
-              <a:rPr lang="en-US" smtClean="0"/>
-              <a:t>6/20/2019</a:t>
+            <a:fld id="{7B397B62-CC0F-458E-9867-33E275FCF738}" type="datetimeFigureOut">
+              <a:rPr lang="en-US" smtClean="0"/>
+              <a:t>6/23/2019</a:t>
             </a:fld>
             <a:endParaRPr lang="en-US"/>
           </a:p>
@@ -2607,7 +3378,11 @@
             </a:lvl1pPr>
           </a:lstStyle>
           <a:p>
-            <a:endParaRPr lang="en-US"/>
+            <a:r>
+              <a:rPr lang="en-US" dirty="0" smtClean="0"/>
+              <a:t>Copyright Holmes &amp; Schwan 2019</a:t>
+            </a:r>
+            <a:endParaRPr lang="en-US" dirty="0"/>
           </a:p>
         </p:txBody>
       </p:sp>
@@ -2644,7 +3419,7 @@
             </a:lvl1pPr>
           </a:lstStyle>
           <a:p>
-            <a:fld id="{626DC08F-7FCD-4B1A-BFE1-84C15314FD91}" type="slidenum">
+            <a:fld id="{D28A3C85-AF64-45FD-850F-EB2A1D04029A}" type="slidenum">
               <a:rPr lang="en-US" smtClean="0"/>
               <a:t>‹#›</a:t>
             </a:fld>
@@ -2673,6 +3448,14 @@
     <p:sldLayoutId id="2147483706" r:id="rId10"/>
     <p:sldLayoutId id="2147483707" r:id="rId11"/>
   </p:sldLayoutIdLst>
+  <p:timing>
+    <p:tnLst>
+      <p:par>
+        <p:cTn id="1" dur="indefinite" restart="never" nodeType="tmRoot"/>
+      </p:par>
+    </p:tnLst>
+  </p:timing>
+  <p:hf hdr="0"/>
   <p:txStyles>
     <p:titleStyle>
       <a:lvl1pPr algn="l" defTabSz="914400" rtl="0" eaLnBrk="1" latinLnBrk="0" hangingPunct="1">
@@ -2956,1988 +3739,6 @@
 </p:sldMaster>
 </file>
 
-<file path=ppt/slides/slide1.xml><?xml version="1.0" encoding="utf-8"?>
-<p:sld xmlns:a="http://schemas.openxmlformats.org/drawingml/2006/main" xmlns:r="http://schemas.openxmlformats.org/officeDocument/2006/relationships" xmlns:p="http://schemas.openxmlformats.org/presentationml/2006/main">
-  <p:cSld>
-    <p:bg>
-      <p:bgPr>
-        <a:blipFill dpi="0" rotWithShape="1">
-          <a:blip r:embed="rId2">
-            <a:alphaModFix amt="18000"/>
-            <a:lum/>
-          </a:blip>
-          <a:srcRect/>
-          <a:stretch>
-            <a:fillRect t="-9000" b="-9000"/>
-          </a:stretch>
-        </a:blipFill>
-        <a:effectLst/>
-      </p:bgPr>
-    </p:bg>
-    <p:spTree>
-      <p:nvGrpSpPr>
-        <p:cNvPr id="1" name=""/>
-        <p:cNvGrpSpPr/>
-        <p:nvPr/>
-      </p:nvGrpSpPr>
-      <p:grpSpPr>
-        <a:xfrm>
-          <a:off x="0" y="0"/>
-          <a:ext cx="0" cy="0"/>
-          <a:chOff x="0" y="0"/>
-          <a:chExt cx="0" cy="0"/>
-        </a:xfrm>
-      </p:grpSpPr>
-      <p:sp>
-        <p:nvSpPr>
-          <p:cNvPr id="2" name="Title 1"/>
-          <p:cNvSpPr>
-            <a:spLocks noGrp="1"/>
-          </p:cNvSpPr>
-          <p:nvPr>
-            <p:ph type="title"/>
-          </p:nvPr>
-        </p:nvSpPr>
-        <p:spPr>
-          <a:xfrm>
-            <a:off x="0" y="360945"/>
-            <a:ext cx="3932237" cy="938465"/>
-          </a:xfrm>
-        </p:spPr>
-        <p:txBody>
-          <a:bodyPr>
-            <a:normAutofit fontScale="90000"/>
-          </a:bodyPr>
-          <a:lstStyle/>
-          <a:p>
-            <a:pPr algn="ctr"/>
-            <a:r>
-              <a:rPr lang="en-US" b="1" dirty="0" smtClean="0"/>
-              <a:t>Anheuser – Busch Breweries</a:t>
-            </a:r>
-            <a:endParaRPr lang="en-US" b="1" dirty="0"/>
-          </a:p>
-        </p:txBody>
-      </p:sp>
-      <p:sp>
-        <p:nvSpPr>
-          <p:cNvPr id="4" name="Text Placeholder 3"/>
-          <p:cNvSpPr>
-            <a:spLocks noGrp="1"/>
-          </p:cNvSpPr>
-          <p:nvPr>
-            <p:ph type="body" sz="half" idx="2"/>
-          </p:nvPr>
-        </p:nvSpPr>
-        <p:spPr>
-          <a:xfrm>
-            <a:off x="839786" y="1485677"/>
-            <a:ext cx="3932237" cy="3811588"/>
-          </a:xfrm>
-        </p:spPr>
-        <p:txBody>
-          <a:bodyPr>
-            <a:noAutofit/>
-          </a:bodyPr>
-          <a:lstStyle/>
-          <a:p>
-            <a:r>
-              <a:rPr lang="en-US" sz="2000" b="1" dirty="0" smtClean="0"/>
-              <a:t>BALDWINSVILLE, NY</a:t>
-            </a:r>
-          </a:p>
-          <a:p>
-            <a:r>
-              <a:rPr lang="en-US" sz="2000" b="1" dirty="0" smtClean="0"/>
-              <a:t>CARTERSVILLE, GA</a:t>
-            </a:r>
-          </a:p>
-          <a:p>
-            <a:r>
-              <a:rPr lang="en-US" sz="2000" b="1" dirty="0" smtClean="0"/>
-              <a:t>COLUMBUS., OH</a:t>
-            </a:r>
-          </a:p>
-          <a:p>
-            <a:r>
-              <a:rPr lang="en-US" sz="2000" b="1" dirty="0" smtClean="0"/>
-              <a:t>LOS ANGELES, CA</a:t>
-            </a:r>
-          </a:p>
-          <a:p>
-            <a:r>
-              <a:rPr lang="en-US" sz="2000" b="1" dirty="0" smtClean="0"/>
-              <a:t>NEWARK, NJ</a:t>
-            </a:r>
-          </a:p>
-          <a:p>
-            <a:r>
-              <a:rPr lang="en-US" sz="2000" b="1" dirty="0" smtClean="0"/>
-              <a:t>WILLIAMSBURG, VA</a:t>
-            </a:r>
-          </a:p>
-          <a:p>
-            <a:r>
-              <a:rPr lang="en-US" sz="2000" b="1" dirty="0" smtClean="0"/>
-              <a:t>FAIRFIELD, CA</a:t>
-            </a:r>
-          </a:p>
-          <a:p>
-            <a:r>
-              <a:rPr lang="en-US" sz="2000" b="1" dirty="0" smtClean="0"/>
-              <a:t>FORT COLLINS, CO</a:t>
-            </a:r>
-          </a:p>
-          <a:p>
-            <a:r>
-              <a:rPr lang="en-US" sz="2000" b="1" dirty="0" smtClean="0"/>
-              <a:t>HOUSTON, TX</a:t>
-            </a:r>
-          </a:p>
-          <a:p>
-            <a:r>
-              <a:rPr lang="en-US" sz="2000" b="1" dirty="0" smtClean="0"/>
-              <a:t>JACKSONVILLE, FL</a:t>
-            </a:r>
-          </a:p>
-          <a:p>
-            <a:r>
-              <a:rPr lang="en-US" sz="2000" b="1" dirty="0" smtClean="0"/>
-              <a:t>MERRIMACK, NH</a:t>
-            </a:r>
-          </a:p>
-          <a:p>
-            <a:r>
-              <a:rPr lang="en-US" sz="2000" b="1" dirty="0" smtClean="0"/>
-              <a:t>ST. LOUIS, MO </a:t>
-            </a:r>
-            <a:endParaRPr lang="en-US" sz="2000" b="1" dirty="0"/>
-          </a:p>
-        </p:txBody>
-      </p:sp>
-      <p:pic>
-        <p:nvPicPr>
-          <p:cNvPr id="9" name="Picture 8"/>
-          <p:cNvPicPr>
-            <a:picLocks noChangeAspect="1"/>
-          </p:cNvPicPr>
-          <p:nvPr/>
-        </p:nvPicPr>
-        <p:blipFill>
-          <a:blip r:embed="rId3">
-            <a:extLst>
-              <a:ext uri="{28A0092B-C50C-407E-A947-70E740481C1C}">
-                <a14:useLocalDpi xmlns:a14="http://schemas.microsoft.com/office/drawing/2010/main" val="0"/>
-              </a:ext>
-            </a:extLst>
-          </a:blip>
-          <a:stretch>
-            <a:fillRect/>
-          </a:stretch>
-        </p:blipFill>
-        <p:spPr>
-          <a:xfrm>
-            <a:off x="9558811" y="134853"/>
-            <a:ext cx="2343150" cy="695325"/>
-          </a:xfrm>
-          <a:prstGeom prst="rect">
-            <a:avLst/>
-          </a:prstGeom>
-        </p:spPr>
-      </p:pic>
-      <p:pic>
-        <p:nvPicPr>
-          <p:cNvPr id="10" name="Picture 9"/>
-          <p:cNvPicPr>
-            <a:picLocks noChangeAspect="1"/>
-          </p:cNvPicPr>
-          <p:nvPr/>
-        </p:nvPicPr>
-        <p:blipFill>
-          <a:blip r:embed="rId4" cstate="print">
-            <a:extLst>
-              <a:ext uri="{28A0092B-C50C-407E-A947-70E740481C1C}">
-                <a14:useLocalDpi xmlns:a14="http://schemas.microsoft.com/office/drawing/2010/main" val="0"/>
-              </a:ext>
-            </a:extLst>
-          </a:blip>
-          <a:stretch>
-            <a:fillRect/>
-          </a:stretch>
-        </p:blipFill>
-        <p:spPr>
-          <a:xfrm>
-            <a:off x="4179356" y="1299410"/>
-            <a:ext cx="7603956" cy="4864980"/>
-          </a:xfrm>
-          <a:prstGeom prst="rect">
-            <a:avLst/>
-          </a:prstGeom>
-        </p:spPr>
-      </p:pic>
-      <p:sp>
-        <p:nvSpPr>
-          <p:cNvPr id="11" name="4-Point Star 10"/>
-          <p:cNvSpPr/>
-          <p:nvPr/>
-        </p:nvSpPr>
-        <p:spPr>
-          <a:xfrm>
-            <a:off x="8139022" y="3481138"/>
-            <a:ext cx="409577" cy="389466"/>
-          </a:xfrm>
-          <a:prstGeom prst="star4">
-            <a:avLst/>
-          </a:prstGeom>
-          <a:solidFill>
-            <a:srgbClr val="FF0000"/>
-          </a:solidFill>
-        </p:spPr>
-        <p:style>
-          <a:lnRef idx="2">
-            <a:schemeClr val="accent1">
-              <a:shade val="50000"/>
-            </a:schemeClr>
-          </a:lnRef>
-          <a:fillRef idx="1">
-            <a:schemeClr val="accent1"/>
-          </a:fillRef>
-          <a:effectRef idx="0">
-            <a:schemeClr val="accent1"/>
-          </a:effectRef>
-          <a:fontRef idx="minor">
-            <a:schemeClr val="lt1"/>
-          </a:fontRef>
-        </p:style>
-        <p:txBody>
-          <a:bodyPr rtlCol="0" anchor="ctr"/>
-          <a:lstStyle/>
-          <a:p>
-            <a:pPr algn="ctr"/>
-            <a:endParaRPr lang="en-US"/>
-          </a:p>
-        </p:txBody>
-      </p:sp>
-      <p:sp>
-        <p:nvSpPr>
-          <p:cNvPr id="12" name="4-Point Star 11"/>
-          <p:cNvSpPr/>
-          <p:nvPr/>
-        </p:nvSpPr>
-        <p:spPr>
-          <a:xfrm>
-            <a:off x="7702016" y="5297265"/>
-            <a:ext cx="409577" cy="389466"/>
-          </a:xfrm>
-          <a:prstGeom prst="star4">
-            <a:avLst/>
-          </a:prstGeom>
-          <a:solidFill>
-            <a:srgbClr val="FF0000"/>
-          </a:solidFill>
-        </p:spPr>
-        <p:style>
-          <a:lnRef idx="2">
-            <a:schemeClr val="accent1">
-              <a:shade val="50000"/>
-            </a:schemeClr>
-          </a:lnRef>
-          <a:fillRef idx="1">
-            <a:schemeClr val="accent1"/>
-          </a:fillRef>
-          <a:effectRef idx="0">
-            <a:schemeClr val="accent1"/>
-          </a:effectRef>
-          <a:fontRef idx="minor">
-            <a:schemeClr val="lt1"/>
-          </a:fontRef>
-        </p:style>
-        <p:txBody>
-          <a:bodyPr rtlCol="0" anchor="ctr"/>
-          <a:lstStyle/>
-          <a:p>
-            <a:pPr algn="ctr"/>
-            <a:endParaRPr lang="en-US"/>
-          </a:p>
-        </p:txBody>
-      </p:sp>
-      <p:sp>
-        <p:nvSpPr>
-          <p:cNvPr id="13" name="4-Point Star 12"/>
-          <p:cNvSpPr/>
-          <p:nvPr/>
-        </p:nvSpPr>
-        <p:spPr>
-          <a:xfrm>
-            <a:off x="7073367" y="3539068"/>
-            <a:ext cx="409577" cy="389466"/>
-          </a:xfrm>
-          <a:prstGeom prst="star4">
-            <a:avLst/>
-          </a:prstGeom>
-          <a:solidFill>
-            <a:srgbClr val="FF0000"/>
-          </a:solidFill>
-        </p:spPr>
-        <p:style>
-          <a:lnRef idx="2">
-            <a:schemeClr val="accent1">
-              <a:shade val="50000"/>
-            </a:schemeClr>
-          </a:lnRef>
-          <a:fillRef idx="1">
-            <a:schemeClr val="accent1"/>
-          </a:fillRef>
-          <a:effectRef idx="0">
-            <a:schemeClr val="accent1"/>
-          </a:effectRef>
-          <a:fontRef idx="minor">
-            <a:schemeClr val="lt1"/>
-          </a:fontRef>
-        </p:style>
-        <p:txBody>
-          <a:bodyPr rtlCol="0" anchor="ctr"/>
-          <a:lstStyle/>
-          <a:p>
-            <a:pPr algn="ctr"/>
-            <a:endParaRPr lang="en-US"/>
-          </a:p>
-        </p:txBody>
-      </p:sp>
-      <p:sp>
-        <p:nvSpPr>
-          <p:cNvPr id="14" name="4-Point Star 13"/>
-          <p:cNvSpPr/>
-          <p:nvPr/>
-        </p:nvSpPr>
-        <p:spPr>
-          <a:xfrm>
-            <a:off x="4577284" y="3420535"/>
-            <a:ext cx="409577" cy="389466"/>
-          </a:xfrm>
-          <a:prstGeom prst="star4">
-            <a:avLst/>
-          </a:prstGeom>
-          <a:solidFill>
-            <a:srgbClr val="FF0000"/>
-          </a:solidFill>
-        </p:spPr>
-        <p:style>
-          <a:lnRef idx="2">
-            <a:schemeClr val="accent1">
-              <a:shade val="50000"/>
-            </a:schemeClr>
-          </a:lnRef>
-          <a:fillRef idx="1">
-            <a:schemeClr val="accent1"/>
-          </a:fillRef>
-          <a:effectRef idx="0">
-            <a:schemeClr val="accent1"/>
-          </a:effectRef>
-          <a:fontRef idx="minor">
-            <a:schemeClr val="lt1"/>
-          </a:fontRef>
-        </p:style>
-        <p:txBody>
-          <a:bodyPr rtlCol="0" anchor="ctr"/>
-          <a:lstStyle/>
-          <a:p>
-            <a:pPr algn="ctr"/>
-            <a:endParaRPr lang="en-US"/>
-          </a:p>
-        </p:txBody>
-      </p:sp>
-      <p:sp>
-        <p:nvSpPr>
-          <p:cNvPr id="15" name="4-Point Star 14"/>
-          <p:cNvSpPr/>
-          <p:nvPr/>
-        </p:nvSpPr>
-        <p:spPr>
-          <a:xfrm>
-            <a:off x="9972143" y="3848769"/>
-            <a:ext cx="409577" cy="389466"/>
-          </a:xfrm>
-          <a:prstGeom prst="star4">
-            <a:avLst/>
-          </a:prstGeom>
-          <a:solidFill>
-            <a:srgbClr val="FF0000"/>
-          </a:solidFill>
-        </p:spPr>
-        <p:style>
-          <a:lnRef idx="2">
-            <a:schemeClr val="accent1">
-              <a:shade val="50000"/>
-            </a:schemeClr>
-          </a:lnRef>
-          <a:fillRef idx="1">
-            <a:schemeClr val="accent1"/>
-          </a:fillRef>
-          <a:effectRef idx="0">
-            <a:schemeClr val="accent1"/>
-          </a:effectRef>
-          <a:fontRef idx="minor">
-            <a:schemeClr val="lt1"/>
-          </a:fontRef>
-        </p:style>
-        <p:txBody>
-          <a:bodyPr rtlCol="0" anchor="ctr"/>
-          <a:lstStyle/>
-          <a:p>
-            <a:pPr algn="ctr"/>
-            <a:endParaRPr lang="en-US"/>
-          </a:p>
-        </p:txBody>
-      </p:sp>
-      <p:sp>
-        <p:nvSpPr>
-          <p:cNvPr id="16" name="4-Point Star 15"/>
-          <p:cNvSpPr/>
-          <p:nvPr/>
-        </p:nvSpPr>
-        <p:spPr>
-          <a:xfrm>
-            <a:off x="10935754" y="2717800"/>
-            <a:ext cx="409577" cy="389466"/>
-          </a:xfrm>
-          <a:prstGeom prst="star4">
-            <a:avLst/>
-          </a:prstGeom>
-          <a:solidFill>
-            <a:srgbClr val="FF0000"/>
-          </a:solidFill>
-        </p:spPr>
-        <p:style>
-          <a:lnRef idx="2">
-            <a:schemeClr val="accent1">
-              <a:shade val="50000"/>
-            </a:schemeClr>
-          </a:lnRef>
-          <a:fillRef idx="1">
-            <a:schemeClr val="accent1"/>
-          </a:fillRef>
-          <a:effectRef idx="0">
-            <a:schemeClr val="accent1"/>
-          </a:effectRef>
-          <a:fontRef idx="minor">
-            <a:schemeClr val="lt1"/>
-          </a:fontRef>
-        </p:style>
-        <p:txBody>
-          <a:bodyPr rtlCol="0" anchor="ctr"/>
-          <a:lstStyle/>
-          <a:p>
-            <a:pPr algn="ctr"/>
-            <a:endParaRPr lang="en-US"/>
-          </a:p>
-        </p:txBody>
-      </p:sp>
-      <p:sp>
-        <p:nvSpPr>
-          <p:cNvPr id="17" name="4-Point Star 16"/>
-          <p:cNvSpPr/>
-          <p:nvPr/>
-        </p:nvSpPr>
-        <p:spPr>
-          <a:xfrm>
-            <a:off x="9534996" y="3196738"/>
-            <a:ext cx="409577" cy="389466"/>
-          </a:xfrm>
-          <a:prstGeom prst="star4">
-            <a:avLst/>
-          </a:prstGeom>
-          <a:solidFill>
-            <a:srgbClr val="FF0000"/>
-          </a:solidFill>
-        </p:spPr>
-        <p:style>
-          <a:lnRef idx="2">
-            <a:schemeClr val="accent1">
-              <a:shade val="50000"/>
-            </a:schemeClr>
-          </a:lnRef>
-          <a:fillRef idx="1">
-            <a:schemeClr val="accent1"/>
-          </a:fillRef>
-          <a:effectRef idx="0">
-            <a:schemeClr val="accent1"/>
-          </a:effectRef>
-          <a:fontRef idx="minor">
-            <a:schemeClr val="lt1"/>
-          </a:fontRef>
-        </p:style>
-        <p:txBody>
-          <a:bodyPr rtlCol="0" anchor="ctr"/>
-          <a:lstStyle/>
-          <a:p>
-            <a:pPr algn="ctr"/>
-            <a:endParaRPr lang="en-US"/>
-          </a:p>
-        </p:txBody>
-      </p:sp>
-      <p:sp>
-        <p:nvSpPr>
-          <p:cNvPr id="18" name="4-Point Star 17"/>
-          <p:cNvSpPr/>
-          <p:nvPr/>
-        </p:nvSpPr>
-        <p:spPr>
-          <a:xfrm>
-            <a:off x="9784289" y="4512734"/>
-            <a:ext cx="409577" cy="389466"/>
-          </a:xfrm>
-          <a:prstGeom prst="star4">
-            <a:avLst/>
-          </a:prstGeom>
-          <a:solidFill>
-            <a:srgbClr val="FF0000"/>
-          </a:solidFill>
-        </p:spPr>
-        <p:style>
-          <a:lnRef idx="2">
-            <a:schemeClr val="accent1">
-              <a:shade val="50000"/>
-            </a:schemeClr>
-          </a:lnRef>
-          <a:fillRef idx="1">
-            <a:schemeClr val="accent1"/>
-          </a:fillRef>
-          <a:effectRef idx="0">
-            <a:schemeClr val="accent1"/>
-          </a:effectRef>
-          <a:fontRef idx="minor">
-            <a:schemeClr val="lt1"/>
-          </a:fontRef>
-        </p:style>
-        <p:txBody>
-          <a:bodyPr rtlCol="0" anchor="ctr"/>
-          <a:lstStyle/>
-          <a:p>
-            <a:pPr algn="ctr"/>
-            <a:endParaRPr lang="en-US"/>
-          </a:p>
-        </p:txBody>
-      </p:sp>
-      <p:sp>
-        <p:nvSpPr>
-          <p:cNvPr id="19" name="4-Point Star 18"/>
-          <p:cNvSpPr/>
-          <p:nvPr/>
-        </p:nvSpPr>
-        <p:spPr>
-          <a:xfrm>
-            <a:off x="10935755" y="2489201"/>
-            <a:ext cx="409577" cy="389466"/>
-          </a:xfrm>
-          <a:prstGeom prst="star4">
-            <a:avLst/>
-          </a:prstGeom>
-          <a:solidFill>
-            <a:srgbClr val="FF0000"/>
-          </a:solidFill>
-        </p:spPr>
-        <p:style>
-          <a:lnRef idx="2">
-            <a:schemeClr val="accent1">
-              <a:shade val="50000"/>
-            </a:schemeClr>
-          </a:lnRef>
-          <a:fillRef idx="1">
-            <a:schemeClr val="accent1"/>
-          </a:fillRef>
-          <a:effectRef idx="0">
-            <a:schemeClr val="accent1"/>
-          </a:effectRef>
-          <a:fontRef idx="minor">
-            <a:schemeClr val="lt1"/>
-          </a:fontRef>
-        </p:style>
-        <p:txBody>
-          <a:bodyPr rtlCol="0" anchor="ctr"/>
-          <a:lstStyle/>
-          <a:p>
-            <a:pPr algn="ctr"/>
-            <a:endParaRPr lang="en-US"/>
-          </a:p>
-        </p:txBody>
-      </p:sp>
-    </p:spTree>
-    <p:extLst>
-      <p:ext uri="{BB962C8B-B14F-4D97-AF65-F5344CB8AC3E}">
-        <p14:creationId xmlns:p14="http://schemas.microsoft.com/office/powerpoint/2010/main" val="3041094340"/>
-      </p:ext>
-    </p:extLst>
-  </p:cSld>
-  <p:clrMapOvr>
-    <a:masterClrMapping/>
-  </p:clrMapOvr>
-</p:sld>
-</file>
-
-<file path=ppt/slides/slide2.xml><?xml version="1.0" encoding="utf-8"?>
-<p:sld xmlns:a="http://schemas.openxmlformats.org/drawingml/2006/main" xmlns:r="http://schemas.openxmlformats.org/officeDocument/2006/relationships" xmlns:p="http://schemas.openxmlformats.org/presentationml/2006/main">
-  <p:cSld>
-    <p:spTree>
-      <p:nvGrpSpPr>
-        <p:cNvPr id="1" name=""/>
-        <p:cNvGrpSpPr/>
-        <p:nvPr/>
-      </p:nvGrpSpPr>
-      <p:grpSpPr>
-        <a:xfrm>
-          <a:off x="0" y="0"/>
-          <a:ext cx="0" cy="0"/>
-          <a:chOff x="0" y="0"/>
-          <a:chExt cx="0" cy="0"/>
-        </a:xfrm>
-      </p:grpSpPr>
-      <p:sp>
-        <p:nvSpPr>
-          <p:cNvPr id="2" name="Title 1"/>
-          <p:cNvSpPr>
-            <a:spLocks noGrp="1"/>
-          </p:cNvSpPr>
-          <p:nvPr>
-            <p:ph type="title"/>
-          </p:nvPr>
-        </p:nvSpPr>
-        <p:spPr>
-          <a:xfrm>
-            <a:off x="0" y="360946"/>
-            <a:ext cx="3932237" cy="773588"/>
-          </a:xfrm>
-        </p:spPr>
-        <p:txBody>
-          <a:bodyPr>
-            <a:normAutofit/>
-          </a:bodyPr>
-          <a:lstStyle/>
-          <a:p>
-            <a:pPr algn="ctr"/>
-            <a:r>
-              <a:rPr lang="en-US" b="1" dirty="0" smtClean="0"/>
-              <a:t>$ Beer Sales</a:t>
-            </a:r>
-            <a:endParaRPr lang="en-US" b="1" dirty="0"/>
-          </a:p>
-        </p:txBody>
-      </p:sp>
-      <p:pic>
-        <p:nvPicPr>
-          <p:cNvPr id="9" name="Picture 8"/>
-          <p:cNvPicPr>
-            <a:picLocks noChangeAspect="1"/>
-          </p:cNvPicPr>
-          <p:nvPr/>
-        </p:nvPicPr>
-        <p:blipFill>
-          <a:blip r:embed="rId2">
-            <a:extLst>
-              <a:ext uri="{28A0092B-C50C-407E-A947-70E740481C1C}">
-                <a14:useLocalDpi xmlns:a14="http://schemas.microsoft.com/office/drawing/2010/main" val="0"/>
-              </a:ext>
-            </a:extLst>
-          </a:blip>
-          <a:stretch>
-            <a:fillRect/>
-          </a:stretch>
-        </p:blipFill>
-        <p:spPr>
-          <a:xfrm>
-            <a:off x="9558811" y="134853"/>
-            <a:ext cx="2343150" cy="695325"/>
-          </a:xfrm>
-          <a:prstGeom prst="rect">
-            <a:avLst/>
-          </a:prstGeom>
-        </p:spPr>
-      </p:pic>
-      <p:pic>
-        <p:nvPicPr>
-          <p:cNvPr id="10" name="Picture 9"/>
-          <p:cNvPicPr>
-            <a:picLocks noChangeAspect="1"/>
-          </p:cNvPicPr>
-          <p:nvPr/>
-        </p:nvPicPr>
-        <p:blipFill>
-          <a:blip r:embed="rId3" cstate="print">
-            <a:extLst>
-              <a:ext uri="{28A0092B-C50C-407E-A947-70E740481C1C}">
-                <a14:useLocalDpi xmlns:a14="http://schemas.microsoft.com/office/drawing/2010/main" val="0"/>
-              </a:ext>
-            </a:extLst>
-          </a:blip>
-          <a:stretch>
-            <a:fillRect/>
-          </a:stretch>
-        </p:blipFill>
-        <p:spPr>
-          <a:xfrm>
-            <a:off x="4179356" y="1299410"/>
-            <a:ext cx="7603956" cy="4864980"/>
-          </a:xfrm>
-          <a:prstGeom prst="rect">
-            <a:avLst/>
-          </a:prstGeom>
-        </p:spPr>
-      </p:pic>
-      <p:sp>
-        <p:nvSpPr>
-          <p:cNvPr id="4" name="Text Placeholder 3"/>
-          <p:cNvSpPr>
-            <a:spLocks noGrp="1"/>
-          </p:cNvSpPr>
-          <p:nvPr>
-            <p:ph type="body" sz="half" idx="2"/>
-          </p:nvPr>
-        </p:nvSpPr>
-        <p:spPr>
-          <a:xfrm>
-            <a:off x="382586" y="1451810"/>
-            <a:ext cx="5069947" cy="2188857"/>
-          </a:xfrm>
-        </p:spPr>
-        <p:txBody>
-          <a:bodyPr>
-            <a:noAutofit/>
-          </a:bodyPr>
-          <a:lstStyle/>
-          <a:p>
-            <a:pPr marL="457200" indent="-457200">
-              <a:buFont typeface="+mj-lt"/>
-              <a:buAutoNum type="arabicPeriod"/>
-            </a:pPr>
-            <a:r>
-              <a:rPr lang="en-US" sz="2000" b="1" dirty="0" smtClean="0"/>
-              <a:t>Dallas, TX $8 Million Per Month</a:t>
-            </a:r>
-          </a:p>
-          <a:p>
-            <a:pPr marL="457200" indent="-457200">
-              <a:buFont typeface="+mj-lt"/>
-              <a:buAutoNum type="arabicPeriod"/>
-            </a:pPr>
-            <a:r>
-              <a:rPr lang="en-US" sz="2000" b="1" dirty="0" smtClean="0"/>
-              <a:t>Chicago, IL $7 Million Per Month</a:t>
-            </a:r>
-          </a:p>
-          <a:p>
-            <a:pPr marL="457200" indent="-457200">
-              <a:buFont typeface="+mj-lt"/>
-              <a:buAutoNum type="arabicPeriod"/>
-            </a:pPr>
-            <a:r>
-              <a:rPr lang="en-US" sz="2000" b="1" dirty="0" smtClean="0"/>
-              <a:t>Kansas City, KS $5.8 Million Per Month</a:t>
-            </a:r>
-          </a:p>
-          <a:p>
-            <a:pPr marL="457200" indent="-457200">
-              <a:buFont typeface="+mj-lt"/>
-              <a:buAutoNum type="arabicPeriod"/>
-            </a:pPr>
-            <a:r>
-              <a:rPr lang="en-US" sz="2000" b="1" dirty="0" smtClean="0"/>
-              <a:t>Seattle, WA $5 Million Per Month</a:t>
-            </a:r>
-            <a:endParaRPr lang="en-US" sz="2000" b="1" dirty="0"/>
-          </a:p>
-          <a:p>
-            <a:pPr marL="457200" indent="-457200">
-              <a:buFont typeface="+mj-lt"/>
-              <a:buAutoNum type="arabicPeriod"/>
-            </a:pPr>
-            <a:r>
-              <a:rPr lang="en-US" sz="2000" b="1" dirty="0" smtClean="0"/>
-              <a:t>Houston, TX $4 Million Per Month</a:t>
-            </a:r>
-          </a:p>
-          <a:p>
-            <a:endParaRPr lang="en-US" sz="2000" b="1" dirty="0" smtClean="0"/>
-          </a:p>
-          <a:p>
-            <a:endParaRPr lang="en-US" sz="2000" b="1" dirty="0"/>
-          </a:p>
-          <a:p>
-            <a:endParaRPr lang="en-US" sz="2000" b="1" dirty="0"/>
-          </a:p>
-        </p:txBody>
-      </p:sp>
-      <p:pic>
-        <p:nvPicPr>
-          <p:cNvPr id="5" name="Picture 4"/>
-          <p:cNvPicPr>
-            <a:picLocks noChangeAspect="1"/>
-          </p:cNvPicPr>
-          <p:nvPr/>
-        </p:nvPicPr>
-        <p:blipFill>
-          <a:blip r:embed="rId4" cstate="print">
-            <a:extLst>
-              <a:ext uri="{28A0092B-C50C-407E-A947-70E740481C1C}">
-                <a14:useLocalDpi xmlns:a14="http://schemas.microsoft.com/office/drawing/2010/main" val="0"/>
-              </a:ext>
-            </a:extLst>
-          </a:blip>
-          <a:stretch>
-            <a:fillRect/>
-          </a:stretch>
-        </p:blipFill>
-        <p:spPr>
-          <a:xfrm>
-            <a:off x="7410891" y="5063067"/>
-            <a:ext cx="668866" cy="668866"/>
-          </a:xfrm>
-          <a:prstGeom prst="rect">
-            <a:avLst/>
-          </a:prstGeom>
-        </p:spPr>
-      </p:pic>
-      <p:pic>
-        <p:nvPicPr>
-          <p:cNvPr id="20" name="Picture 19"/>
-          <p:cNvPicPr>
-            <a:picLocks noChangeAspect="1"/>
-          </p:cNvPicPr>
-          <p:nvPr/>
-        </p:nvPicPr>
-        <p:blipFill>
-          <a:blip r:embed="rId4" cstate="print">
-            <a:extLst>
-              <a:ext uri="{28A0092B-C50C-407E-A947-70E740481C1C}">
-                <a14:useLocalDpi xmlns:a14="http://schemas.microsoft.com/office/drawing/2010/main" val="0"/>
-              </a:ext>
-            </a:extLst>
-          </a:blip>
-          <a:stretch>
-            <a:fillRect/>
-          </a:stretch>
-        </p:blipFill>
-        <p:spPr>
-          <a:xfrm>
-            <a:off x="7949056" y="3306234"/>
-            <a:ext cx="668866" cy="668866"/>
-          </a:xfrm>
-          <a:prstGeom prst="rect">
-            <a:avLst/>
-          </a:prstGeom>
-        </p:spPr>
-      </p:pic>
-      <p:pic>
-        <p:nvPicPr>
-          <p:cNvPr id="21" name="Picture 20"/>
-          <p:cNvPicPr>
-            <a:picLocks noChangeAspect="1"/>
-          </p:cNvPicPr>
-          <p:nvPr/>
-        </p:nvPicPr>
-        <p:blipFill>
-          <a:blip r:embed="rId4" cstate="print">
-            <a:extLst>
-              <a:ext uri="{28A0092B-C50C-407E-A947-70E740481C1C}">
-                <a14:useLocalDpi xmlns:a14="http://schemas.microsoft.com/office/drawing/2010/main" val="0"/>
-              </a:ext>
-            </a:extLst>
-          </a:blip>
-          <a:stretch>
-            <a:fillRect/>
-          </a:stretch>
-        </p:blipFill>
-        <p:spPr>
-          <a:xfrm>
-            <a:off x="7410891" y="4609443"/>
-            <a:ext cx="668866" cy="668866"/>
-          </a:xfrm>
-          <a:prstGeom prst="rect">
-            <a:avLst/>
-          </a:prstGeom>
-        </p:spPr>
-      </p:pic>
-      <p:pic>
-        <p:nvPicPr>
-          <p:cNvPr id="22" name="Picture 21"/>
-          <p:cNvPicPr>
-            <a:picLocks noChangeAspect="1"/>
-          </p:cNvPicPr>
-          <p:nvPr/>
-        </p:nvPicPr>
-        <p:blipFill>
-          <a:blip r:embed="rId4" cstate="print">
-            <a:extLst>
-              <a:ext uri="{28A0092B-C50C-407E-A947-70E740481C1C}">
-                <a14:useLocalDpi xmlns:a14="http://schemas.microsoft.com/office/drawing/2010/main" val="0"/>
-              </a:ext>
-            </a:extLst>
-          </a:blip>
-          <a:stretch>
-            <a:fillRect/>
-          </a:stretch>
-        </p:blipFill>
-        <p:spPr>
-          <a:xfrm>
-            <a:off x="8765558" y="2777067"/>
-            <a:ext cx="668866" cy="668866"/>
-          </a:xfrm>
-          <a:prstGeom prst="rect">
-            <a:avLst/>
-          </a:prstGeom>
-        </p:spPr>
-      </p:pic>
-      <p:pic>
-        <p:nvPicPr>
-          <p:cNvPr id="23" name="Picture 22"/>
-          <p:cNvPicPr>
-            <a:picLocks noChangeAspect="1"/>
-          </p:cNvPicPr>
-          <p:nvPr/>
-        </p:nvPicPr>
-        <p:blipFill>
-          <a:blip r:embed="rId4" cstate="print">
-            <a:extLst>
-              <a:ext uri="{28A0092B-C50C-407E-A947-70E740481C1C}">
-                <a14:useLocalDpi xmlns:a14="http://schemas.microsoft.com/office/drawing/2010/main" val="0"/>
-              </a:ext>
-            </a:extLst>
-          </a:blip>
-          <a:stretch>
-            <a:fillRect/>
-          </a:stretch>
-        </p:blipFill>
-        <p:spPr>
-          <a:xfrm>
-            <a:off x="4583025" y="1608667"/>
-            <a:ext cx="668866" cy="668866"/>
-          </a:xfrm>
-          <a:prstGeom prst="rect">
-            <a:avLst/>
-          </a:prstGeom>
-        </p:spPr>
-      </p:pic>
-    </p:spTree>
-    <p:extLst>
-      <p:ext uri="{BB962C8B-B14F-4D97-AF65-F5344CB8AC3E}">
-        <p14:creationId xmlns:p14="http://schemas.microsoft.com/office/powerpoint/2010/main" val="201147387"/>
-      </p:ext>
-    </p:extLst>
-  </p:cSld>
-  <p:clrMapOvr>
-    <a:masterClrMapping/>
-  </p:clrMapOvr>
-</p:sld>
-</file>
-
-<file path=ppt/slides/slide3.xml><?xml version="1.0" encoding="utf-8"?>
-<p:sld xmlns:a="http://schemas.openxmlformats.org/drawingml/2006/main" xmlns:r="http://schemas.openxmlformats.org/officeDocument/2006/relationships" xmlns:p="http://schemas.openxmlformats.org/presentationml/2006/main">
-  <p:cSld>
-    <p:spTree>
-      <p:nvGrpSpPr>
-        <p:cNvPr id="1" name=""/>
-        <p:cNvGrpSpPr/>
-        <p:nvPr/>
-      </p:nvGrpSpPr>
-      <p:grpSpPr>
-        <a:xfrm>
-          <a:off x="0" y="0"/>
-          <a:ext cx="0" cy="0"/>
-          <a:chOff x="0" y="0"/>
-          <a:chExt cx="0" cy="0"/>
-        </a:xfrm>
-      </p:grpSpPr>
-      <p:sp>
-        <p:nvSpPr>
-          <p:cNvPr id="2" name="Title 1"/>
-          <p:cNvSpPr>
-            <a:spLocks noGrp="1"/>
-          </p:cNvSpPr>
-          <p:nvPr>
-            <p:ph type="title"/>
-          </p:nvPr>
-        </p:nvSpPr>
-        <p:spPr>
-          <a:xfrm>
-            <a:off x="0" y="360946"/>
-            <a:ext cx="3932237" cy="773588"/>
-          </a:xfrm>
-        </p:spPr>
-        <p:txBody>
-          <a:bodyPr>
-            <a:normAutofit fontScale="90000"/>
-          </a:bodyPr>
-          <a:lstStyle/>
-          <a:p>
-            <a:pPr algn="ctr"/>
-            <a:r>
-              <a:rPr lang="en-US" b="1" dirty="0" smtClean="0"/>
-              <a:t>Higher ABV Brewers</a:t>
-            </a:r>
-            <a:br>
-              <a:rPr lang="en-US" b="1" dirty="0" smtClean="0"/>
-            </a:br>
-            <a:r>
-              <a:rPr lang="en-US" b="1" dirty="0" smtClean="0"/>
-              <a:t>Concentration</a:t>
-            </a:r>
-            <a:endParaRPr lang="en-US" b="1" dirty="0"/>
-          </a:p>
-        </p:txBody>
-      </p:sp>
-      <p:pic>
-        <p:nvPicPr>
-          <p:cNvPr id="9" name="Picture 8"/>
-          <p:cNvPicPr>
-            <a:picLocks noChangeAspect="1"/>
-          </p:cNvPicPr>
-          <p:nvPr/>
-        </p:nvPicPr>
-        <p:blipFill>
-          <a:blip r:embed="rId2">
-            <a:extLst>
-              <a:ext uri="{28A0092B-C50C-407E-A947-70E740481C1C}">
-                <a14:useLocalDpi xmlns:a14="http://schemas.microsoft.com/office/drawing/2010/main" val="0"/>
-              </a:ext>
-            </a:extLst>
-          </a:blip>
-          <a:stretch>
-            <a:fillRect/>
-          </a:stretch>
-        </p:blipFill>
-        <p:spPr>
-          <a:xfrm>
-            <a:off x="9558811" y="134853"/>
-            <a:ext cx="2343150" cy="695325"/>
-          </a:xfrm>
-          <a:prstGeom prst="rect">
-            <a:avLst/>
-          </a:prstGeom>
-        </p:spPr>
-      </p:pic>
-      <p:pic>
-        <p:nvPicPr>
-          <p:cNvPr id="10" name="Picture 9"/>
-          <p:cNvPicPr>
-            <a:picLocks noChangeAspect="1"/>
-          </p:cNvPicPr>
-          <p:nvPr/>
-        </p:nvPicPr>
-        <p:blipFill>
-          <a:blip r:embed="rId3" cstate="print">
-            <a:extLst>
-              <a:ext uri="{28A0092B-C50C-407E-A947-70E740481C1C}">
-                <a14:useLocalDpi xmlns:a14="http://schemas.microsoft.com/office/drawing/2010/main" val="0"/>
-              </a:ext>
-            </a:extLst>
-          </a:blip>
-          <a:stretch>
-            <a:fillRect/>
-          </a:stretch>
-        </p:blipFill>
-        <p:spPr>
-          <a:xfrm>
-            <a:off x="4179356" y="1299410"/>
-            <a:ext cx="7603956" cy="4864980"/>
-          </a:xfrm>
-          <a:prstGeom prst="rect">
-            <a:avLst/>
-          </a:prstGeom>
-        </p:spPr>
-      </p:pic>
-      <p:sp>
-        <p:nvSpPr>
-          <p:cNvPr id="4" name="Text Placeholder 3"/>
-          <p:cNvSpPr>
-            <a:spLocks noGrp="1"/>
-          </p:cNvSpPr>
-          <p:nvPr>
-            <p:ph type="body" sz="half" idx="2"/>
-          </p:nvPr>
-        </p:nvSpPr>
-        <p:spPr>
-          <a:xfrm>
-            <a:off x="382586" y="1451810"/>
-            <a:ext cx="5069947" cy="2188857"/>
-          </a:xfrm>
-        </p:spPr>
-        <p:txBody>
-          <a:bodyPr>
-            <a:noAutofit/>
-          </a:bodyPr>
-          <a:lstStyle/>
-          <a:p>
-            <a:pPr marL="457200" indent="-457200">
-              <a:buFont typeface="+mj-lt"/>
-              <a:buAutoNum type="arabicPeriod"/>
-            </a:pPr>
-            <a:r>
-              <a:rPr lang="en-US" sz="2000" b="1" dirty="0" smtClean="0"/>
-              <a:t>Dallas, TX 34 Breweries</a:t>
-            </a:r>
-          </a:p>
-          <a:p>
-            <a:pPr marL="457200" indent="-457200">
-              <a:buFont typeface="+mj-lt"/>
-              <a:buAutoNum type="arabicPeriod"/>
-            </a:pPr>
-            <a:r>
-              <a:rPr lang="en-US" sz="2000" b="1" dirty="0" smtClean="0"/>
-              <a:t>Houston, TX 25 Breweries</a:t>
-            </a:r>
-          </a:p>
-          <a:p>
-            <a:pPr marL="457200" indent="-457200">
-              <a:buFont typeface="+mj-lt"/>
-              <a:buAutoNum type="arabicPeriod"/>
-            </a:pPr>
-            <a:r>
-              <a:rPr lang="en-US" sz="2000" b="1" dirty="0" smtClean="0"/>
-              <a:t>Chicago, IL 24 Breweries</a:t>
-            </a:r>
-          </a:p>
-          <a:p>
-            <a:pPr marL="457200" indent="-457200">
-              <a:buFont typeface="+mj-lt"/>
-              <a:buAutoNum type="arabicPeriod"/>
-            </a:pPr>
-            <a:r>
-              <a:rPr lang="en-US" sz="2000" b="1" dirty="0" smtClean="0"/>
-              <a:t>Kansas City, KS 14 Breweries</a:t>
-            </a:r>
-          </a:p>
-          <a:p>
-            <a:pPr marL="457200" indent="-457200">
-              <a:buFont typeface="+mj-lt"/>
-              <a:buAutoNum type="arabicPeriod"/>
-            </a:pPr>
-            <a:r>
-              <a:rPr lang="en-US" sz="2000" b="1" dirty="0" smtClean="0"/>
-              <a:t>Seattle, WA 13 Breweries</a:t>
-            </a:r>
-            <a:endParaRPr lang="en-US" sz="2000" b="1" dirty="0"/>
-          </a:p>
-          <a:p>
-            <a:endParaRPr lang="en-US" sz="2000" b="1" dirty="0" smtClean="0"/>
-          </a:p>
-          <a:p>
-            <a:endParaRPr lang="en-US" sz="2000" b="1" dirty="0"/>
-          </a:p>
-          <a:p>
-            <a:endParaRPr lang="en-US" sz="2000" b="1" dirty="0"/>
-          </a:p>
-        </p:txBody>
-      </p:sp>
-      <p:sp>
-        <p:nvSpPr>
-          <p:cNvPr id="12" name="Explosion 2 11"/>
-          <p:cNvSpPr/>
-          <p:nvPr/>
-        </p:nvSpPr>
-        <p:spPr>
-          <a:xfrm>
-            <a:off x="8387733" y="3259666"/>
-            <a:ext cx="460377" cy="491067"/>
-          </a:xfrm>
-          <a:prstGeom prst="irregularSeal2">
-            <a:avLst/>
-          </a:prstGeom>
-        </p:spPr>
-        <p:style>
-          <a:lnRef idx="2">
-            <a:schemeClr val="accent1">
-              <a:shade val="50000"/>
-            </a:schemeClr>
-          </a:lnRef>
-          <a:fillRef idx="1">
-            <a:schemeClr val="accent1"/>
-          </a:fillRef>
-          <a:effectRef idx="0">
-            <a:schemeClr val="accent1"/>
-          </a:effectRef>
-          <a:fontRef idx="minor">
-            <a:schemeClr val="lt1"/>
-          </a:fontRef>
-        </p:style>
-        <p:txBody>
-          <a:bodyPr rtlCol="0" anchor="ctr"/>
-          <a:lstStyle/>
-          <a:p>
-            <a:pPr algn="ctr"/>
-            <a:endParaRPr lang="en-US"/>
-          </a:p>
-        </p:txBody>
-      </p:sp>
-      <p:sp>
-        <p:nvSpPr>
-          <p:cNvPr id="13" name="Explosion 2 12"/>
-          <p:cNvSpPr/>
-          <p:nvPr/>
-        </p:nvSpPr>
-        <p:spPr>
-          <a:xfrm>
-            <a:off x="8387734" y="2760133"/>
-            <a:ext cx="460377" cy="491067"/>
-          </a:xfrm>
-          <a:prstGeom prst="irregularSeal2">
-            <a:avLst/>
-          </a:prstGeom>
-        </p:spPr>
-        <p:style>
-          <a:lnRef idx="2">
-            <a:schemeClr val="accent1">
-              <a:shade val="50000"/>
-            </a:schemeClr>
-          </a:lnRef>
-          <a:fillRef idx="1">
-            <a:schemeClr val="accent1"/>
-          </a:fillRef>
-          <a:effectRef idx="0">
-            <a:schemeClr val="accent1"/>
-          </a:effectRef>
-          <a:fontRef idx="minor">
-            <a:schemeClr val="lt1"/>
-          </a:fontRef>
-        </p:style>
-        <p:txBody>
-          <a:bodyPr rtlCol="0" anchor="ctr"/>
-          <a:lstStyle/>
-          <a:p>
-            <a:pPr algn="ctr"/>
-            <a:endParaRPr lang="en-US"/>
-          </a:p>
-        </p:txBody>
-      </p:sp>
-      <p:sp>
-        <p:nvSpPr>
-          <p:cNvPr id="14" name="Explosion 2 13"/>
-          <p:cNvSpPr/>
-          <p:nvPr/>
-        </p:nvSpPr>
-        <p:spPr>
-          <a:xfrm>
-            <a:off x="4756678" y="1862667"/>
-            <a:ext cx="460377" cy="491067"/>
-          </a:xfrm>
-          <a:prstGeom prst="irregularSeal2">
-            <a:avLst/>
-          </a:prstGeom>
-        </p:spPr>
-        <p:style>
-          <a:lnRef idx="2">
-            <a:schemeClr val="accent1">
-              <a:shade val="50000"/>
-            </a:schemeClr>
-          </a:lnRef>
-          <a:fillRef idx="1">
-            <a:schemeClr val="accent1"/>
-          </a:fillRef>
-          <a:effectRef idx="0">
-            <a:schemeClr val="accent1"/>
-          </a:effectRef>
-          <a:fontRef idx="minor">
-            <a:schemeClr val="lt1"/>
-          </a:fontRef>
-        </p:style>
-        <p:txBody>
-          <a:bodyPr rtlCol="0" anchor="ctr"/>
-          <a:lstStyle/>
-          <a:p>
-            <a:pPr algn="ctr"/>
-            <a:endParaRPr lang="en-US"/>
-          </a:p>
-        </p:txBody>
-      </p:sp>
-      <p:sp>
-        <p:nvSpPr>
-          <p:cNvPr id="15" name="Explosion 2 14"/>
-          <p:cNvSpPr/>
-          <p:nvPr/>
-        </p:nvSpPr>
-        <p:spPr>
-          <a:xfrm>
-            <a:off x="7520957" y="4673600"/>
-            <a:ext cx="460377" cy="491067"/>
-          </a:xfrm>
-          <a:prstGeom prst="irregularSeal2">
-            <a:avLst/>
-          </a:prstGeom>
-        </p:spPr>
-        <p:style>
-          <a:lnRef idx="2">
-            <a:schemeClr val="accent1">
-              <a:shade val="50000"/>
-            </a:schemeClr>
-          </a:lnRef>
-          <a:fillRef idx="1">
-            <a:schemeClr val="accent1"/>
-          </a:fillRef>
-          <a:effectRef idx="0">
-            <a:schemeClr val="accent1"/>
-          </a:effectRef>
-          <a:fontRef idx="minor">
-            <a:schemeClr val="lt1"/>
-          </a:fontRef>
-        </p:style>
-        <p:txBody>
-          <a:bodyPr rtlCol="0" anchor="ctr"/>
-          <a:lstStyle/>
-          <a:p>
-            <a:pPr algn="ctr"/>
-            <a:endParaRPr lang="en-US"/>
-          </a:p>
-        </p:txBody>
-      </p:sp>
-      <p:sp>
-        <p:nvSpPr>
-          <p:cNvPr id="16" name="Explosion 2 15"/>
-          <p:cNvSpPr/>
-          <p:nvPr/>
-        </p:nvSpPr>
-        <p:spPr>
-          <a:xfrm>
-            <a:off x="7537890" y="5096933"/>
-            <a:ext cx="460377" cy="491067"/>
-          </a:xfrm>
-          <a:prstGeom prst="irregularSeal2">
-            <a:avLst/>
-          </a:prstGeom>
-        </p:spPr>
-        <p:style>
-          <a:lnRef idx="2">
-            <a:schemeClr val="accent1">
-              <a:shade val="50000"/>
-            </a:schemeClr>
-          </a:lnRef>
-          <a:fillRef idx="1">
-            <a:schemeClr val="accent1"/>
-          </a:fillRef>
-          <a:effectRef idx="0">
-            <a:schemeClr val="accent1"/>
-          </a:effectRef>
-          <a:fontRef idx="minor">
-            <a:schemeClr val="lt1"/>
-          </a:fontRef>
-        </p:style>
-        <p:txBody>
-          <a:bodyPr rtlCol="0" anchor="ctr"/>
-          <a:lstStyle/>
-          <a:p>
-            <a:pPr algn="ctr"/>
-            <a:endParaRPr lang="en-US"/>
-          </a:p>
-        </p:txBody>
-      </p:sp>
-    </p:spTree>
-    <p:extLst>
-      <p:ext uri="{BB962C8B-B14F-4D97-AF65-F5344CB8AC3E}">
-        <p14:creationId xmlns:p14="http://schemas.microsoft.com/office/powerpoint/2010/main" val="229945281"/>
-      </p:ext>
-    </p:extLst>
-  </p:cSld>
-  <p:clrMapOvr>
-    <a:masterClrMapping/>
-  </p:clrMapOvr>
-</p:sld>
-</file>
-
-<file path=ppt/slides/slide4.xml><?xml version="1.0" encoding="utf-8"?>
-<p:sld xmlns:a="http://schemas.openxmlformats.org/drawingml/2006/main" xmlns:r="http://schemas.openxmlformats.org/officeDocument/2006/relationships" xmlns:p="http://schemas.openxmlformats.org/presentationml/2006/main">
-  <p:cSld>
-    <p:spTree>
-      <p:nvGrpSpPr>
-        <p:cNvPr id="1" name=""/>
-        <p:cNvGrpSpPr/>
-        <p:nvPr/>
-      </p:nvGrpSpPr>
-      <p:grpSpPr>
-        <a:xfrm>
-          <a:off x="0" y="0"/>
-          <a:ext cx="0" cy="0"/>
-          <a:chOff x="0" y="0"/>
-          <a:chExt cx="0" cy="0"/>
-        </a:xfrm>
-      </p:grpSpPr>
-      <p:sp>
-        <p:nvSpPr>
-          <p:cNvPr id="2" name="Title 1"/>
-          <p:cNvSpPr>
-            <a:spLocks noGrp="1"/>
-          </p:cNvSpPr>
-          <p:nvPr>
-            <p:ph type="title"/>
-          </p:nvPr>
-        </p:nvSpPr>
-        <p:spPr>
-          <a:xfrm>
-            <a:off x="0" y="360946"/>
-            <a:ext cx="3932237" cy="773588"/>
-          </a:xfrm>
-        </p:spPr>
-        <p:txBody>
-          <a:bodyPr>
-            <a:normAutofit/>
-          </a:bodyPr>
-          <a:lstStyle/>
-          <a:p>
-            <a:pPr algn="ctr"/>
-            <a:r>
-              <a:rPr lang="en-US" b="1" dirty="0" smtClean="0"/>
-              <a:t>Profit Margin?</a:t>
-            </a:r>
-            <a:endParaRPr lang="en-US" b="1" dirty="0"/>
-          </a:p>
-        </p:txBody>
-      </p:sp>
-      <p:pic>
-        <p:nvPicPr>
-          <p:cNvPr id="9" name="Picture 8"/>
-          <p:cNvPicPr>
-            <a:picLocks noChangeAspect="1"/>
-          </p:cNvPicPr>
-          <p:nvPr/>
-        </p:nvPicPr>
-        <p:blipFill>
-          <a:blip r:embed="rId2">
-            <a:extLst>
-              <a:ext uri="{28A0092B-C50C-407E-A947-70E740481C1C}">
-                <a14:useLocalDpi xmlns:a14="http://schemas.microsoft.com/office/drawing/2010/main" val="0"/>
-              </a:ext>
-            </a:extLst>
-          </a:blip>
-          <a:stretch>
-            <a:fillRect/>
-          </a:stretch>
-        </p:blipFill>
-        <p:spPr>
-          <a:xfrm>
-            <a:off x="9558811" y="134853"/>
-            <a:ext cx="2343150" cy="695325"/>
-          </a:xfrm>
-          <a:prstGeom prst="rect">
-            <a:avLst/>
-          </a:prstGeom>
-        </p:spPr>
-      </p:pic>
-      <p:pic>
-        <p:nvPicPr>
-          <p:cNvPr id="10" name="Picture 9"/>
-          <p:cNvPicPr>
-            <a:picLocks noChangeAspect="1"/>
-          </p:cNvPicPr>
-          <p:nvPr/>
-        </p:nvPicPr>
-        <p:blipFill>
-          <a:blip r:embed="rId3" cstate="print">
-            <a:extLst>
-              <a:ext uri="{28A0092B-C50C-407E-A947-70E740481C1C}">
-                <a14:useLocalDpi xmlns:a14="http://schemas.microsoft.com/office/drawing/2010/main" val="0"/>
-              </a:ext>
-            </a:extLst>
-          </a:blip>
-          <a:stretch>
-            <a:fillRect/>
-          </a:stretch>
-        </p:blipFill>
-        <p:spPr>
-          <a:xfrm>
-            <a:off x="4179356" y="1299410"/>
-            <a:ext cx="7603956" cy="4864980"/>
-          </a:xfrm>
-          <a:prstGeom prst="rect">
-            <a:avLst/>
-          </a:prstGeom>
-        </p:spPr>
-      </p:pic>
-      <p:sp>
-        <p:nvSpPr>
-          <p:cNvPr id="4" name="Text Placeholder 3"/>
-          <p:cNvSpPr>
-            <a:spLocks noGrp="1"/>
-          </p:cNvSpPr>
-          <p:nvPr>
-            <p:ph type="body" sz="half" idx="2"/>
-          </p:nvPr>
-        </p:nvSpPr>
-        <p:spPr>
-          <a:xfrm>
-            <a:off x="382586" y="1451810"/>
-            <a:ext cx="5069947" cy="2188857"/>
-          </a:xfrm>
-        </p:spPr>
-        <p:txBody>
-          <a:bodyPr>
-            <a:noAutofit/>
-          </a:bodyPr>
-          <a:lstStyle/>
-          <a:p>
-            <a:pPr marL="457200" indent="-457200">
-              <a:buFont typeface="+mj-lt"/>
-              <a:buAutoNum type="arabicPeriod"/>
-            </a:pPr>
-            <a:r>
-              <a:rPr lang="en-US" sz="2000" b="1" dirty="0" smtClean="0"/>
-              <a:t>Top Brewery</a:t>
-            </a:r>
-          </a:p>
-          <a:p>
-            <a:pPr marL="457200" indent="-457200">
-              <a:buFont typeface="+mj-lt"/>
-              <a:buAutoNum type="arabicPeriod"/>
-            </a:pPr>
-            <a:r>
-              <a:rPr lang="en-US" sz="2000" b="1" dirty="0" smtClean="0"/>
-              <a:t>Top Brewery</a:t>
-            </a:r>
-          </a:p>
-          <a:p>
-            <a:pPr marL="457200" indent="-457200">
-              <a:buFont typeface="+mj-lt"/>
-              <a:buAutoNum type="arabicPeriod"/>
-            </a:pPr>
-            <a:r>
-              <a:rPr lang="en-US" sz="2000" b="1" dirty="0" smtClean="0"/>
-              <a:t>Top Brewery</a:t>
-            </a:r>
-          </a:p>
-          <a:p>
-            <a:pPr marL="457200" indent="-457200">
-              <a:buFont typeface="+mj-lt"/>
-              <a:buAutoNum type="arabicPeriod"/>
-            </a:pPr>
-            <a:r>
-              <a:rPr lang="en-US" sz="2000" b="1" dirty="0" smtClean="0"/>
-              <a:t>Top Brewery</a:t>
-            </a:r>
-          </a:p>
-          <a:p>
-            <a:pPr marL="457200" indent="-457200">
-              <a:buFont typeface="+mj-lt"/>
-              <a:buAutoNum type="arabicPeriod"/>
-            </a:pPr>
-            <a:r>
-              <a:rPr lang="en-US" sz="2000" b="1" dirty="0" smtClean="0"/>
-              <a:t>Top Brewery</a:t>
-            </a:r>
-          </a:p>
-          <a:p>
-            <a:pPr marL="457200" indent="-457200">
-              <a:buFont typeface="+mj-lt"/>
-              <a:buAutoNum type="arabicPeriod"/>
-            </a:pPr>
-            <a:endParaRPr lang="en-US" sz="2000" b="1" dirty="0" smtClean="0"/>
-          </a:p>
-          <a:p>
-            <a:pPr marL="457200" indent="-457200">
-              <a:buFont typeface="+mj-lt"/>
-              <a:buAutoNum type="arabicPeriod"/>
-            </a:pPr>
-            <a:endParaRPr lang="en-US" sz="2000" b="1" dirty="0" smtClean="0"/>
-          </a:p>
-          <a:p>
-            <a:pPr marL="457200" indent="-457200">
-              <a:buFont typeface="+mj-lt"/>
-              <a:buAutoNum type="arabicPeriod"/>
-            </a:pPr>
-            <a:endParaRPr lang="en-US" sz="2000" b="1" dirty="0" smtClean="0"/>
-          </a:p>
-          <a:p>
-            <a:endParaRPr lang="en-US" sz="2000" b="1" dirty="0" smtClean="0"/>
-          </a:p>
-          <a:p>
-            <a:endParaRPr lang="en-US" sz="2000" b="1" dirty="0"/>
-          </a:p>
-          <a:p>
-            <a:endParaRPr lang="en-US" sz="2000" b="1" dirty="0"/>
-          </a:p>
-        </p:txBody>
-      </p:sp>
-      <p:pic>
-        <p:nvPicPr>
-          <p:cNvPr id="5" name="Picture 4"/>
-          <p:cNvPicPr>
-            <a:picLocks noChangeAspect="1"/>
-          </p:cNvPicPr>
-          <p:nvPr/>
-        </p:nvPicPr>
-        <p:blipFill>
-          <a:blip r:embed="rId4" cstate="print">
-            <a:extLst>
-              <a:ext uri="{28A0092B-C50C-407E-A947-70E740481C1C}">
-                <a14:useLocalDpi xmlns:a14="http://schemas.microsoft.com/office/drawing/2010/main" val="0"/>
-              </a:ext>
-            </a:extLst>
-          </a:blip>
-          <a:stretch>
-            <a:fillRect/>
-          </a:stretch>
-        </p:blipFill>
-        <p:spPr>
-          <a:xfrm>
-            <a:off x="7410891" y="5063067"/>
-            <a:ext cx="668866" cy="668866"/>
-          </a:xfrm>
-          <a:prstGeom prst="rect">
-            <a:avLst/>
-          </a:prstGeom>
-        </p:spPr>
-      </p:pic>
-      <p:pic>
-        <p:nvPicPr>
-          <p:cNvPr id="20" name="Picture 19"/>
-          <p:cNvPicPr>
-            <a:picLocks noChangeAspect="1"/>
-          </p:cNvPicPr>
-          <p:nvPr/>
-        </p:nvPicPr>
-        <p:blipFill>
-          <a:blip r:embed="rId4" cstate="print">
-            <a:extLst>
-              <a:ext uri="{28A0092B-C50C-407E-A947-70E740481C1C}">
-                <a14:useLocalDpi xmlns:a14="http://schemas.microsoft.com/office/drawing/2010/main" val="0"/>
-              </a:ext>
-            </a:extLst>
-          </a:blip>
-          <a:stretch>
-            <a:fillRect/>
-          </a:stretch>
-        </p:blipFill>
-        <p:spPr>
-          <a:xfrm>
-            <a:off x="7949056" y="3306234"/>
-            <a:ext cx="668866" cy="668866"/>
-          </a:xfrm>
-          <a:prstGeom prst="rect">
-            <a:avLst/>
-          </a:prstGeom>
-        </p:spPr>
-      </p:pic>
-      <p:pic>
-        <p:nvPicPr>
-          <p:cNvPr id="21" name="Picture 20"/>
-          <p:cNvPicPr>
-            <a:picLocks noChangeAspect="1"/>
-          </p:cNvPicPr>
-          <p:nvPr/>
-        </p:nvPicPr>
-        <p:blipFill>
-          <a:blip r:embed="rId4" cstate="print">
-            <a:extLst>
-              <a:ext uri="{28A0092B-C50C-407E-A947-70E740481C1C}">
-                <a14:useLocalDpi xmlns:a14="http://schemas.microsoft.com/office/drawing/2010/main" val="0"/>
-              </a:ext>
-            </a:extLst>
-          </a:blip>
-          <a:stretch>
-            <a:fillRect/>
-          </a:stretch>
-        </p:blipFill>
-        <p:spPr>
-          <a:xfrm>
-            <a:off x="7410891" y="4609443"/>
-            <a:ext cx="668866" cy="668866"/>
-          </a:xfrm>
-          <a:prstGeom prst="rect">
-            <a:avLst/>
-          </a:prstGeom>
-        </p:spPr>
-      </p:pic>
-      <p:pic>
-        <p:nvPicPr>
-          <p:cNvPr id="22" name="Picture 21"/>
-          <p:cNvPicPr>
-            <a:picLocks noChangeAspect="1"/>
-          </p:cNvPicPr>
-          <p:nvPr/>
-        </p:nvPicPr>
-        <p:blipFill>
-          <a:blip r:embed="rId4" cstate="print">
-            <a:extLst>
-              <a:ext uri="{28A0092B-C50C-407E-A947-70E740481C1C}">
-                <a14:useLocalDpi xmlns:a14="http://schemas.microsoft.com/office/drawing/2010/main" val="0"/>
-              </a:ext>
-            </a:extLst>
-          </a:blip>
-          <a:stretch>
-            <a:fillRect/>
-          </a:stretch>
-        </p:blipFill>
-        <p:spPr>
-          <a:xfrm>
-            <a:off x="8765558" y="2777067"/>
-            <a:ext cx="668866" cy="668866"/>
-          </a:xfrm>
-          <a:prstGeom prst="rect">
-            <a:avLst/>
-          </a:prstGeom>
-        </p:spPr>
-      </p:pic>
-      <p:pic>
-        <p:nvPicPr>
-          <p:cNvPr id="23" name="Picture 22"/>
-          <p:cNvPicPr>
-            <a:picLocks noChangeAspect="1"/>
-          </p:cNvPicPr>
-          <p:nvPr/>
-        </p:nvPicPr>
-        <p:blipFill>
-          <a:blip r:embed="rId4" cstate="print">
-            <a:extLst>
-              <a:ext uri="{28A0092B-C50C-407E-A947-70E740481C1C}">
-                <a14:useLocalDpi xmlns:a14="http://schemas.microsoft.com/office/drawing/2010/main" val="0"/>
-              </a:ext>
-            </a:extLst>
-          </a:blip>
-          <a:stretch>
-            <a:fillRect/>
-          </a:stretch>
-        </p:blipFill>
-        <p:spPr>
-          <a:xfrm>
-            <a:off x="4583025" y="1608667"/>
-            <a:ext cx="668866" cy="668866"/>
-          </a:xfrm>
-          <a:prstGeom prst="rect">
-            <a:avLst/>
-          </a:prstGeom>
-        </p:spPr>
-      </p:pic>
-    </p:spTree>
-    <p:extLst>
-      <p:ext uri="{BB962C8B-B14F-4D97-AF65-F5344CB8AC3E}">
-        <p14:creationId xmlns:p14="http://schemas.microsoft.com/office/powerpoint/2010/main" val="3422585598"/>
-      </p:ext>
-    </p:extLst>
-  </p:cSld>
-  <p:clrMapOvr>
-    <a:masterClrMapping/>
-  </p:clrMapOvr>
-</p:sld>
-</file>
-
-<file path=ppt/slides/slide5.xml><?xml version="1.0" encoding="utf-8"?>
-<p:sld xmlns:a="http://schemas.openxmlformats.org/drawingml/2006/main" xmlns:r="http://schemas.openxmlformats.org/officeDocument/2006/relationships" xmlns:p="http://schemas.openxmlformats.org/presentationml/2006/main">
-  <p:cSld>
-    <p:spTree>
-      <p:nvGrpSpPr>
-        <p:cNvPr id="1" name=""/>
-        <p:cNvGrpSpPr/>
-        <p:nvPr/>
-      </p:nvGrpSpPr>
-      <p:grpSpPr>
-        <a:xfrm>
-          <a:off x="0" y="0"/>
-          <a:ext cx="0" cy="0"/>
-          <a:chOff x="0" y="0"/>
-          <a:chExt cx="0" cy="0"/>
-        </a:xfrm>
-      </p:grpSpPr>
-      <p:sp>
-        <p:nvSpPr>
-          <p:cNvPr id="2" name="Title 1"/>
-          <p:cNvSpPr>
-            <a:spLocks noGrp="1"/>
-          </p:cNvSpPr>
-          <p:nvPr>
-            <p:ph type="title"/>
-          </p:nvPr>
-        </p:nvSpPr>
-        <p:spPr>
-          <a:xfrm>
-            <a:off x="0" y="360946"/>
-            <a:ext cx="3932237" cy="773588"/>
-          </a:xfrm>
-        </p:spPr>
-        <p:txBody>
-          <a:bodyPr>
-            <a:normAutofit/>
-          </a:bodyPr>
-          <a:lstStyle/>
-          <a:p>
-            <a:pPr algn="ctr"/>
-            <a:r>
-              <a:rPr lang="en-US" b="1" dirty="0" smtClean="0"/>
-              <a:t>Profit Margin?</a:t>
-            </a:r>
-            <a:endParaRPr lang="en-US" b="1" dirty="0"/>
-          </a:p>
-        </p:txBody>
-      </p:sp>
-      <p:pic>
-        <p:nvPicPr>
-          <p:cNvPr id="9" name="Picture 8"/>
-          <p:cNvPicPr>
-            <a:picLocks noChangeAspect="1"/>
-          </p:cNvPicPr>
-          <p:nvPr/>
-        </p:nvPicPr>
-        <p:blipFill>
-          <a:blip r:embed="rId2">
-            <a:extLst>
-              <a:ext uri="{28A0092B-C50C-407E-A947-70E740481C1C}">
-                <a14:useLocalDpi xmlns:a14="http://schemas.microsoft.com/office/drawing/2010/main" val="0"/>
-              </a:ext>
-            </a:extLst>
-          </a:blip>
-          <a:stretch>
-            <a:fillRect/>
-          </a:stretch>
-        </p:blipFill>
-        <p:spPr>
-          <a:xfrm>
-            <a:off x="9558811" y="134853"/>
-            <a:ext cx="2343150" cy="695325"/>
-          </a:xfrm>
-          <a:prstGeom prst="rect">
-            <a:avLst/>
-          </a:prstGeom>
-        </p:spPr>
-      </p:pic>
-      <p:sp>
-        <p:nvSpPr>
-          <p:cNvPr id="4" name="Text Placeholder 3"/>
-          <p:cNvSpPr>
-            <a:spLocks noGrp="1"/>
-          </p:cNvSpPr>
-          <p:nvPr>
-            <p:ph type="body" sz="half" idx="2"/>
-          </p:nvPr>
-        </p:nvSpPr>
-        <p:spPr>
-          <a:xfrm>
-            <a:off x="382586" y="1451810"/>
-            <a:ext cx="5069947" cy="2188857"/>
-          </a:xfrm>
-        </p:spPr>
-        <p:txBody>
-          <a:bodyPr>
-            <a:noAutofit/>
-          </a:bodyPr>
-          <a:lstStyle/>
-          <a:p>
-            <a:pPr marL="457200" indent="-457200">
-              <a:buFont typeface="+mj-lt"/>
-              <a:buAutoNum type="arabicPeriod"/>
-            </a:pPr>
-            <a:r>
-              <a:rPr lang="en-US" sz="2000" b="1" dirty="0" smtClean="0"/>
-              <a:t>Top Brewery</a:t>
-            </a:r>
-          </a:p>
-          <a:p>
-            <a:pPr marL="457200" indent="-457200">
-              <a:buFont typeface="+mj-lt"/>
-              <a:buAutoNum type="arabicPeriod"/>
-            </a:pPr>
-            <a:r>
-              <a:rPr lang="en-US" sz="2000" b="1" dirty="0" smtClean="0"/>
-              <a:t>Top Brewery</a:t>
-            </a:r>
-          </a:p>
-          <a:p>
-            <a:pPr marL="457200" indent="-457200">
-              <a:buFont typeface="+mj-lt"/>
-              <a:buAutoNum type="arabicPeriod"/>
-            </a:pPr>
-            <a:r>
-              <a:rPr lang="en-US" sz="2000" b="1" dirty="0" smtClean="0"/>
-              <a:t>Top Brewery</a:t>
-            </a:r>
-          </a:p>
-          <a:p>
-            <a:pPr marL="457200" indent="-457200">
-              <a:buFont typeface="+mj-lt"/>
-              <a:buAutoNum type="arabicPeriod"/>
-            </a:pPr>
-            <a:r>
-              <a:rPr lang="en-US" sz="2000" b="1" dirty="0" smtClean="0"/>
-              <a:t>Top Brewery</a:t>
-            </a:r>
-          </a:p>
-          <a:p>
-            <a:pPr marL="457200" indent="-457200">
-              <a:buFont typeface="+mj-lt"/>
-              <a:buAutoNum type="arabicPeriod"/>
-            </a:pPr>
-            <a:r>
-              <a:rPr lang="en-US" sz="2000" b="1" dirty="0" smtClean="0"/>
-              <a:t>Top Brewery</a:t>
-            </a:r>
-          </a:p>
-          <a:p>
-            <a:pPr marL="457200" indent="-457200">
-              <a:buFont typeface="+mj-lt"/>
-              <a:buAutoNum type="arabicPeriod"/>
-            </a:pPr>
-            <a:endParaRPr lang="en-US" sz="2000" b="1" dirty="0" smtClean="0"/>
-          </a:p>
-          <a:p>
-            <a:pPr marL="457200" indent="-457200">
-              <a:buFont typeface="+mj-lt"/>
-              <a:buAutoNum type="arabicPeriod"/>
-            </a:pPr>
-            <a:endParaRPr lang="en-US" sz="2000" b="1" dirty="0" smtClean="0"/>
-          </a:p>
-          <a:p>
-            <a:pPr marL="457200" indent="-457200">
-              <a:buFont typeface="+mj-lt"/>
-              <a:buAutoNum type="arabicPeriod"/>
-            </a:pPr>
-            <a:endParaRPr lang="en-US" sz="2000" b="1" dirty="0" smtClean="0"/>
-          </a:p>
-          <a:p>
-            <a:endParaRPr lang="en-US" sz="2000" b="1" dirty="0" smtClean="0"/>
-          </a:p>
-          <a:p>
-            <a:endParaRPr lang="en-US" sz="2000" b="1" dirty="0"/>
-          </a:p>
-          <a:p>
-            <a:endParaRPr lang="en-US" sz="2000" b="1" dirty="0"/>
-          </a:p>
-        </p:txBody>
-      </p:sp>
-      <p:pic>
-        <p:nvPicPr>
-          <p:cNvPr id="6" name="Picture 5"/>
-          <p:cNvPicPr>
-            <a:picLocks noChangeAspect="1"/>
-          </p:cNvPicPr>
-          <p:nvPr/>
-        </p:nvPicPr>
-        <p:blipFill>
-          <a:blip r:embed="rId3">
-            <a:extLst>
-              <a:ext uri="{28A0092B-C50C-407E-A947-70E740481C1C}">
-                <a14:useLocalDpi xmlns:a14="http://schemas.microsoft.com/office/drawing/2010/main" val="0"/>
-              </a:ext>
-            </a:extLst>
-          </a:blip>
-          <a:stretch>
-            <a:fillRect/>
-          </a:stretch>
-        </p:blipFill>
-        <p:spPr>
-          <a:xfrm>
-            <a:off x="3805296" y="1623441"/>
-            <a:ext cx="7106551" cy="4669004"/>
-          </a:xfrm>
-          <a:prstGeom prst="rect">
-            <a:avLst/>
-          </a:prstGeom>
-        </p:spPr>
-      </p:pic>
-    </p:spTree>
-    <p:extLst>
-      <p:ext uri="{BB962C8B-B14F-4D97-AF65-F5344CB8AC3E}">
-        <p14:creationId xmlns:p14="http://schemas.microsoft.com/office/powerpoint/2010/main" val="129375002"/>
-      </p:ext>
-    </p:extLst>
-  </p:cSld>
-  <p:clrMapOvr>
-    <a:masterClrMapping/>
-  </p:clrMapOvr>
-</p:sld>
-</file>
-
 <file path=ppt/theme/theme1.xml><?xml version="1.0" encoding="utf-8"?>
 <a:theme xmlns:a="http://schemas.openxmlformats.org/drawingml/2006/main" name="Office Theme">
   <a:themeElements>
@@ -5197,4 +3998,265 @@
     </a:ext>
   </a:extLst>
 </a:theme>
+</file>
+
+<file path=ppt/theme/theme2.xml><?xml version="1.0" encoding="utf-8"?>
+<a:theme xmlns:a="http://schemas.openxmlformats.org/drawingml/2006/main" name="Office Theme">
+  <a:themeElements>
+    <a:clrScheme name="Office">
+      <a:dk1>
+        <a:sysClr val="windowText" lastClr="000000"/>
+      </a:dk1>
+      <a:lt1>
+        <a:sysClr val="window" lastClr="FFFFFF"/>
+      </a:lt1>
+      <a:dk2>
+        <a:srgbClr val="44546A"/>
+      </a:dk2>
+      <a:lt2>
+        <a:srgbClr val="E7E6E6"/>
+      </a:lt2>
+      <a:accent1>
+        <a:srgbClr val="5B9BD5"/>
+      </a:accent1>
+      <a:accent2>
+        <a:srgbClr val="ED7D31"/>
+      </a:accent2>
+      <a:accent3>
+        <a:srgbClr val="A5A5A5"/>
+      </a:accent3>
+      <a:accent4>
+        <a:srgbClr val="FFC000"/>
+      </a:accent4>
+      <a:accent5>
+        <a:srgbClr val="4472C4"/>
+      </a:accent5>
+      <a:accent6>
+        <a:srgbClr val="70AD47"/>
+      </a:accent6>
+      <a:hlink>
+        <a:srgbClr val="0563C1"/>
+      </a:hlink>
+      <a:folHlink>
+        <a:srgbClr val="954F72"/>
+      </a:folHlink>
+    </a:clrScheme>
+    <a:fontScheme name="Office">
+      <a:majorFont>
+        <a:latin typeface="Calibri Light" panose="020F0302020204030204"/>
+        <a:ea typeface=""/>
+        <a:cs typeface=""/>
+        <a:font script="Jpan" typeface="ＭＳ Ｐゴシック"/>
+        <a:font script="Hang" typeface="맑은 고딕"/>
+        <a:font script="Hans" typeface="宋体"/>
+        <a:font script="Hant" typeface="新細明體"/>
+        <a:font script="Arab" typeface="Times New Roman"/>
+        <a:font script="Hebr" typeface="Times New Roman"/>
+        <a:font script="Thai" typeface="Angsana New"/>
+        <a:font script="Ethi" typeface="Nyala"/>
+        <a:font script="Beng" typeface="Vrinda"/>
+        <a:font script="Gujr" typeface="Shruti"/>
+        <a:font script="Khmr" typeface="MoolBoran"/>
+        <a:font script="Knda" typeface="Tunga"/>
+        <a:font script="Guru" typeface="Raavi"/>
+        <a:font script="Cans" typeface="Euphemia"/>
+        <a:font script="Cher" typeface="Plantagenet Cherokee"/>
+        <a:font script="Yiii" typeface="Microsoft Yi Baiti"/>
+        <a:font script="Tibt" typeface="Microsoft Himalaya"/>
+        <a:font script="Thaa" typeface="MV Boli"/>
+        <a:font script="Deva" typeface="Mangal"/>
+        <a:font script="Telu" typeface="Gautami"/>
+        <a:font script="Taml" typeface="Latha"/>
+        <a:font script="Syrc" typeface="Estrangelo Edessa"/>
+        <a:font script="Orya" typeface="Kalinga"/>
+        <a:font script="Mlym" typeface="Kartika"/>
+        <a:font script="Laoo" typeface="DokChampa"/>
+        <a:font script="Sinh" typeface="Iskoola Pota"/>
+        <a:font script="Mong" typeface="Mongolian Baiti"/>
+        <a:font script="Viet" typeface="Times New Roman"/>
+        <a:font script="Uigh" typeface="Microsoft Uighur"/>
+        <a:font script="Geor" typeface="Sylfaen"/>
+      </a:majorFont>
+      <a:minorFont>
+        <a:latin typeface="Calibri" panose="020F0502020204030204"/>
+        <a:ea typeface=""/>
+        <a:cs typeface=""/>
+        <a:font script="Jpan" typeface="ＭＳ Ｐゴシック"/>
+        <a:font script="Hang" typeface="맑은 고딕"/>
+        <a:font script="Hans" typeface="宋体"/>
+        <a:font script="Hant" typeface="新細明體"/>
+        <a:font script="Arab" typeface="Arial"/>
+        <a:font script="Hebr" typeface="Arial"/>
+        <a:font script="Thai" typeface="Cordia New"/>
+        <a:font script="Ethi" typeface="Nyala"/>
+        <a:font script="Beng" typeface="Vrinda"/>
+        <a:font script="Gujr" typeface="Shruti"/>
+        <a:font script="Khmr" typeface="DaunPenh"/>
+        <a:font script="Knda" typeface="Tunga"/>
+        <a:font script="Guru" typeface="Raavi"/>
+        <a:font script="Cans" typeface="Euphemia"/>
+        <a:font script="Cher" typeface="Plantagenet Cherokee"/>
+        <a:font script="Yiii" typeface="Microsoft Yi Baiti"/>
+        <a:font script="Tibt" typeface="Microsoft Himalaya"/>
+        <a:font script="Thaa" typeface="MV Boli"/>
+        <a:font script="Deva" typeface="Mangal"/>
+        <a:font script="Telu" typeface="Gautami"/>
+        <a:font script="Taml" typeface="Latha"/>
+        <a:font script="Syrc" typeface="Estrangelo Edessa"/>
+        <a:font script="Orya" typeface="Kalinga"/>
+        <a:font script="Mlym" typeface="Kartika"/>
+        <a:font script="Laoo" typeface="DokChampa"/>
+        <a:font script="Sinh" typeface="Iskoola Pota"/>
+        <a:font script="Mong" typeface="Mongolian Baiti"/>
+        <a:font script="Viet" typeface="Arial"/>
+        <a:font script="Uigh" typeface="Microsoft Uighur"/>
+        <a:font script="Geor" typeface="Sylfaen"/>
+      </a:minorFont>
+    </a:fontScheme>
+    <a:fmtScheme name="Office">
+      <a:fillStyleLst>
+        <a:solidFill>
+          <a:schemeClr val="phClr"/>
+        </a:solidFill>
+        <a:gradFill rotWithShape="1">
+          <a:gsLst>
+            <a:gs pos="0">
+              <a:schemeClr val="phClr">
+                <a:lumMod val="110000"/>
+                <a:satMod val="105000"/>
+                <a:tint val="67000"/>
+              </a:schemeClr>
+            </a:gs>
+            <a:gs pos="50000">
+              <a:schemeClr val="phClr">
+                <a:lumMod val="105000"/>
+                <a:satMod val="103000"/>
+                <a:tint val="73000"/>
+              </a:schemeClr>
+            </a:gs>
+            <a:gs pos="100000">
+              <a:schemeClr val="phClr">
+                <a:lumMod val="105000"/>
+                <a:satMod val="109000"/>
+                <a:tint val="81000"/>
+              </a:schemeClr>
+            </a:gs>
+          </a:gsLst>
+          <a:lin ang="5400000" scaled="0"/>
+        </a:gradFill>
+        <a:gradFill rotWithShape="1">
+          <a:gsLst>
+            <a:gs pos="0">
+              <a:schemeClr val="phClr">
+                <a:satMod val="103000"/>
+                <a:lumMod val="102000"/>
+                <a:tint val="94000"/>
+              </a:schemeClr>
+            </a:gs>
+            <a:gs pos="50000">
+              <a:schemeClr val="phClr">
+                <a:satMod val="110000"/>
+                <a:lumMod val="100000"/>
+                <a:shade val="100000"/>
+              </a:schemeClr>
+            </a:gs>
+            <a:gs pos="100000">
+              <a:schemeClr val="phClr">
+                <a:lumMod val="99000"/>
+                <a:satMod val="120000"/>
+                <a:shade val="78000"/>
+              </a:schemeClr>
+            </a:gs>
+          </a:gsLst>
+          <a:lin ang="5400000" scaled="0"/>
+        </a:gradFill>
+      </a:fillStyleLst>
+      <a:lnStyleLst>
+        <a:ln w="6350" cap="flat" cmpd="sng" algn="ctr">
+          <a:solidFill>
+            <a:schemeClr val="phClr"/>
+          </a:solidFill>
+          <a:prstDash val="solid"/>
+          <a:miter lim="800000"/>
+        </a:ln>
+        <a:ln w="12700" cap="flat" cmpd="sng" algn="ctr">
+          <a:solidFill>
+            <a:schemeClr val="phClr"/>
+          </a:solidFill>
+          <a:prstDash val="solid"/>
+          <a:miter lim="800000"/>
+        </a:ln>
+        <a:ln w="19050" cap="flat" cmpd="sng" algn="ctr">
+          <a:solidFill>
+            <a:schemeClr val="phClr"/>
+          </a:solidFill>
+          <a:prstDash val="solid"/>
+          <a:miter lim="800000"/>
+        </a:ln>
+      </a:lnStyleLst>
+      <a:effectStyleLst>
+        <a:effectStyle>
+          <a:effectLst/>
+        </a:effectStyle>
+        <a:effectStyle>
+          <a:effectLst/>
+        </a:effectStyle>
+        <a:effectStyle>
+          <a:effectLst>
+            <a:outerShdw blurRad="57150" dist="19050" dir="5400000" algn="ctr" rotWithShape="0">
+              <a:srgbClr val="000000">
+                <a:alpha val="63000"/>
+              </a:srgbClr>
+            </a:outerShdw>
+          </a:effectLst>
+        </a:effectStyle>
+      </a:effectStyleLst>
+      <a:bgFillStyleLst>
+        <a:solidFill>
+          <a:schemeClr val="phClr"/>
+        </a:solidFill>
+        <a:solidFill>
+          <a:schemeClr val="phClr">
+            <a:tint val="95000"/>
+            <a:satMod val="170000"/>
+          </a:schemeClr>
+        </a:solidFill>
+        <a:gradFill rotWithShape="1">
+          <a:gsLst>
+            <a:gs pos="0">
+              <a:schemeClr val="phClr">
+                <a:tint val="93000"/>
+                <a:satMod val="150000"/>
+                <a:shade val="98000"/>
+                <a:lumMod val="102000"/>
+              </a:schemeClr>
+            </a:gs>
+            <a:gs pos="50000">
+              <a:schemeClr val="phClr">
+                <a:tint val="98000"/>
+                <a:satMod val="130000"/>
+                <a:shade val="90000"/>
+                <a:lumMod val="103000"/>
+              </a:schemeClr>
+            </a:gs>
+            <a:gs pos="100000">
+              <a:schemeClr val="phClr">
+                <a:shade val="63000"/>
+                <a:satMod val="120000"/>
+              </a:schemeClr>
+            </a:gs>
+          </a:gsLst>
+          <a:lin ang="5400000" scaled="0"/>
+        </a:gradFill>
+      </a:bgFillStyleLst>
+    </a:fmtScheme>
+  </a:themeElements>
+  <a:objectDefaults/>
+  <a:extraClrSchemeLst/>
+  <a:extLst>
+    <a:ext uri="{05A4C25C-085E-4340-85A3-A5531E510DB2}">
+      <thm15:themeFamily xmlns:thm15="http://schemas.microsoft.com/office/thememl/2012/main" name="Office Theme" id="{62F939B6-93AF-4DB8-9C6B-D6C7DFDC589F}" vid="{4A3C46E8-61CC-4603-A589-7422A47A8E4A}"/>
+    </a:ext>
+  </a:extLst>
+</a:theme>
 </file>